--- a/Oscary 2010.pptx
+++ b/Oscary 2010.pptx
@@ -11,6 +11,7 @@
     <p:sldId id="259" r:id="rId5"/>
     <p:sldId id="260" r:id="rId6"/>
     <p:sldId id="261" r:id="rId7"/>
+    <p:sldId id="262" r:id="rId8"/>
   </p:sldIdLst>
   <p:sldSz cx="12192000" cy="6858000"/>
   <p:notesSz cx="6858000" cy="9144000"/>
@@ -109,6 +110,11 @@
       </a:defRPr>
     </a:lvl9pPr>
   </p:defaultTextStyle>
+  <p:extLst>
+    <p:ext uri="{EFAFB233-063F-42B5-8137-9DF3F51BA10A}">
+      <p15:sldGuideLst xmlns:p15="http://schemas.microsoft.com/office/powerpoint/2012/main"/>
+    </p:ext>
+  </p:extLst>
 </p:presentation>
 </file>
 
@@ -857,7 +863,7 @@
           <a:p>
             <a:fld id="{54AC26AF-B6D2-4841-A2CC-895756B72B49}" type="datetimeFigureOut">
               <a:rPr lang="pl-PL" smtClean="0"/>
-              <a:t>28.11.2025</a:t>
+              <a:t>01.12.2025</a:t>
             </a:fld>
             <a:endParaRPr lang="pl-PL"/>
           </a:p>
@@ -1108,7 +1114,7 @@
           <a:p>
             <a:fld id="{54AC26AF-B6D2-4841-A2CC-895756B72B49}" type="datetimeFigureOut">
               <a:rPr lang="pl-PL" smtClean="0"/>
-              <a:t>28.11.2025</a:t>
+              <a:t>01.12.2025</a:t>
             </a:fld>
             <a:endParaRPr lang="pl-PL"/>
           </a:p>
@@ -1422,7 +1428,7 @@
           <a:p>
             <a:fld id="{54AC26AF-B6D2-4841-A2CC-895756B72B49}" type="datetimeFigureOut">
               <a:rPr lang="pl-PL" smtClean="0"/>
-              <a:t>28.11.2025</a:t>
+              <a:t>01.12.2025</a:t>
             </a:fld>
             <a:endParaRPr lang="pl-PL"/>
           </a:p>
@@ -1755,7 +1761,7 @@
           <a:p>
             <a:fld id="{54AC26AF-B6D2-4841-A2CC-895756B72B49}" type="datetimeFigureOut">
               <a:rPr lang="pl-PL" smtClean="0"/>
-              <a:t>28.11.2025</a:t>
+              <a:t>01.12.2025</a:t>
             </a:fld>
             <a:endParaRPr lang="pl-PL"/>
           </a:p>
@@ -2069,7 +2075,7 @@
           <a:p>
             <a:fld id="{54AC26AF-B6D2-4841-A2CC-895756B72B49}" type="datetimeFigureOut">
               <a:rPr lang="pl-PL" smtClean="0"/>
-              <a:t>28.11.2025</a:t>
+              <a:t>01.12.2025</a:t>
             </a:fld>
             <a:endParaRPr lang="pl-PL"/>
           </a:p>
@@ -2462,7 +2468,7 @@
           <a:p>
             <a:fld id="{54AC26AF-B6D2-4841-A2CC-895756B72B49}" type="datetimeFigureOut">
               <a:rPr lang="pl-PL" smtClean="0"/>
-              <a:t>28.11.2025</a:t>
+              <a:t>01.12.2025</a:t>
             </a:fld>
             <a:endParaRPr lang="pl-PL"/>
           </a:p>
@@ -2632,7 +2638,7 @@
           <a:p>
             <a:fld id="{54AC26AF-B6D2-4841-A2CC-895756B72B49}" type="datetimeFigureOut">
               <a:rPr lang="pl-PL" smtClean="0"/>
-              <a:t>28.11.2025</a:t>
+              <a:t>01.12.2025</a:t>
             </a:fld>
             <a:endParaRPr lang="pl-PL"/>
           </a:p>
@@ -2812,7 +2818,7 @@
           <a:p>
             <a:fld id="{54AC26AF-B6D2-4841-A2CC-895756B72B49}" type="datetimeFigureOut">
               <a:rPr lang="pl-PL" smtClean="0"/>
-              <a:t>28.11.2025</a:t>
+              <a:t>01.12.2025</a:t>
             </a:fld>
             <a:endParaRPr lang="pl-PL"/>
           </a:p>
@@ -2982,7 +2988,7 @@
           <a:p>
             <a:fld id="{54AC26AF-B6D2-4841-A2CC-895756B72B49}" type="datetimeFigureOut">
               <a:rPr lang="pl-PL" smtClean="0"/>
-              <a:t>28.11.2025</a:t>
+              <a:t>01.12.2025</a:t>
             </a:fld>
             <a:endParaRPr lang="pl-PL"/>
           </a:p>
@@ -3229,7 +3235,7 @@
           <a:p>
             <a:fld id="{54AC26AF-B6D2-4841-A2CC-895756B72B49}" type="datetimeFigureOut">
               <a:rPr lang="pl-PL" smtClean="0"/>
-              <a:t>28.11.2025</a:t>
+              <a:t>01.12.2025</a:t>
             </a:fld>
             <a:endParaRPr lang="pl-PL"/>
           </a:p>
@@ -3461,7 +3467,7 @@
           <a:p>
             <a:fld id="{54AC26AF-B6D2-4841-A2CC-895756B72B49}" type="datetimeFigureOut">
               <a:rPr lang="pl-PL" smtClean="0"/>
-              <a:t>28.11.2025</a:t>
+              <a:t>01.12.2025</a:t>
             </a:fld>
             <a:endParaRPr lang="pl-PL"/>
           </a:p>
@@ -3835,7 +3841,7 @@
           <a:p>
             <a:fld id="{54AC26AF-B6D2-4841-A2CC-895756B72B49}" type="datetimeFigureOut">
               <a:rPr lang="pl-PL" smtClean="0"/>
-              <a:t>28.11.2025</a:t>
+              <a:t>01.12.2025</a:t>
             </a:fld>
             <a:endParaRPr lang="pl-PL"/>
           </a:p>
@@ -3958,7 +3964,7 @@
           <a:p>
             <a:fld id="{54AC26AF-B6D2-4841-A2CC-895756B72B49}" type="datetimeFigureOut">
               <a:rPr lang="pl-PL" smtClean="0"/>
-              <a:t>28.11.2025</a:t>
+              <a:t>01.12.2025</a:t>
             </a:fld>
             <a:endParaRPr lang="pl-PL"/>
           </a:p>
@@ -4053,7 +4059,7 @@
           <a:p>
             <a:fld id="{54AC26AF-B6D2-4841-A2CC-895756B72B49}" type="datetimeFigureOut">
               <a:rPr lang="pl-PL" smtClean="0"/>
-              <a:t>28.11.2025</a:t>
+              <a:t>01.12.2025</a:t>
             </a:fld>
             <a:endParaRPr lang="pl-PL"/>
           </a:p>
@@ -4308,7 +4314,7 @@
           <a:p>
             <a:fld id="{54AC26AF-B6D2-4841-A2CC-895756B72B49}" type="datetimeFigureOut">
               <a:rPr lang="pl-PL" smtClean="0"/>
-              <a:t>28.11.2025</a:t>
+              <a:t>01.12.2025</a:t>
             </a:fld>
             <a:endParaRPr lang="pl-PL"/>
           </a:p>
@@ -4613,7 +4619,7 @@
           <a:p>
             <a:fld id="{54AC26AF-B6D2-4841-A2CC-895756B72B49}" type="datetimeFigureOut">
               <a:rPr lang="pl-PL" smtClean="0"/>
-              <a:t>28.11.2025</a:t>
+              <a:t>01.12.2025</a:t>
             </a:fld>
             <a:endParaRPr lang="pl-PL"/>
           </a:p>
@@ -5315,7 +5321,7 @@
           <a:p>
             <a:fld id="{54AC26AF-B6D2-4841-A2CC-895756B72B49}" type="datetimeFigureOut">
               <a:rPr lang="pl-PL" smtClean="0"/>
-              <a:t>28.11.2025</a:t>
+              <a:t>01.12.2025</a:t>
             </a:fld>
             <a:endParaRPr lang="pl-PL"/>
           </a:p>
@@ -6802,13 +6808,13 @@
   <p:clrMapOvr>
     <a:masterClrMapping/>
   </p:clrMapOvr>
-  <mc:AlternateContent xmlns:mc="http://schemas.openxmlformats.org/markup-compatibility/2006">
-    <mc:Choice xmlns:p15="http://schemas.microsoft.com/office/powerpoint/2012/main" Requires="p15">
+  <mc:AlternateContent xmlns:mc="http://schemas.openxmlformats.org/markup-compatibility/2006" xmlns:p15="http://schemas.microsoft.com/office/powerpoint/2012/main">
+    <mc:Choice Requires="p15">
       <p:transition xmlns:p14="http://schemas.microsoft.com/office/powerpoint/2010/main" spd="slow" p14:dur="2000">
         <p15:prstTrans prst="wind"/>
       </p:transition>
     </mc:Choice>
-    <mc:Fallback>
+    <mc:Fallback xmlns="">
       <p:transition spd="slow">
         <p:fade/>
       </p:transition>
@@ -7218,13 +7224,13 @@
   <p:clrMapOvr>
     <a:masterClrMapping/>
   </p:clrMapOvr>
-  <mc:AlternateContent xmlns:mc="http://schemas.openxmlformats.org/markup-compatibility/2006">
-    <mc:Choice xmlns:p15="http://schemas.microsoft.com/office/powerpoint/2012/main" Requires="p15">
+  <mc:AlternateContent xmlns:mc="http://schemas.openxmlformats.org/markup-compatibility/2006" xmlns:p15="http://schemas.microsoft.com/office/powerpoint/2012/main">
+    <mc:Choice Requires="p15">
       <p:transition xmlns:p14="http://schemas.microsoft.com/office/powerpoint/2010/main" spd="slow" p14:dur="2000">
         <p15:prstTrans prst="prestige"/>
       </p:transition>
     </mc:Choice>
-    <mc:Fallback>
+    <mc:Fallback xmlns="">
       <p:transition spd="slow">
         <p:fade/>
       </p:transition>
@@ -7734,13 +7740,13 @@
   <p:clrMapOvr>
     <a:masterClrMapping/>
   </p:clrMapOvr>
-  <mc:AlternateContent xmlns:mc="http://schemas.openxmlformats.org/markup-compatibility/2006">
-    <mc:Choice xmlns:p15="http://schemas.microsoft.com/office/powerpoint/2012/main" Requires="p15">
+  <mc:AlternateContent xmlns:mc="http://schemas.openxmlformats.org/markup-compatibility/2006" xmlns:p15="http://schemas.microsoft.com/office/powerpoint/2012/main">
+    <mc:Choice Requires="p15">
       <p:transition xmlns:p14="http://schemas.microsoft.com/office/powerpoint/2010/main" spd="slow" p14:dur="3250">
         <p15:prstTrans prst="origami"/>
       </p:transition>
     </mc:Choice>
-    <mc:Fallback>
+    <mc:Fallback xmlns="">
       <p:transition spd="slow">
         <p:fade/>
       </p:transition>
@@ -8326,13 +8332,13 @@
   <p:clrMapOvr>
     <a:masterClrMapping/>
   </p:clrMapOvr>
-  <mc:AlternateContent xmlns:mc="http://schemas.openxmlformats.org/markup-compatibility/2006">
-    <mc:Choice xmlns:p15="http://schemas.microsoft.com/office/powerpoint/2012/main" Requires="p15">
+  <mc:AlternateContent xmlns:mc="http://schemas.openxmlformats.org/markup-compatibility/2006" xmlns:p15="http://schemas.microsoft.com/office/powerpoint/2012/main">
+    <mc:Choice Requires="p15">
       <p:transition xmlns:p14="http://schemas.microsoft.com/office/powerpoint/2010/main" spd="slow" p14:dur="1250">
         <p15:prstTrans prst="airplane"/>
       </p:transition>
     </mc:Choice>
-    <mc:Fallback>
+    <mc:Fallback xmlns="">
       <p:transition spd="slow">
         <p:fade/>
       </p:transition>
@@ -9086,18 +9092,3085 @@
   <p:clrMapOvr>
     <a:masterClrMapping/>
   </p:clrMapOvr>
-  <mc:AlternateContent xmlns:mc="http://schemas.openxmlformats.org/markup-compatibility/2006">
-    <mc:Choice xmlns:p15="http://schemas.microsoft.com/office/powerpoint/2012/main" Requires="p15">
+  <mc:AlternateContent xmlns:mc="http://schemas.openxmlformats.org/markup-compatibility/2006" xmlns:p15="http://schemas.microsoft.com/office/powerpoint/2012/main">
+    <mc:Choice Requires="p15">
       <p:transition xmlns:p14="http://schemas.microsoft.com/office/powerpoint/2010/main" spd="slow" p14:dur="2000">
         <p15:prstTrans prst="crush"/>
       </p:transition>
     </mc:Choice>
-    <mc:Fallback>
+    <mc:Fallback xmlns="">
       <p:transition spd="slow">
         <p:fade/>
       </p:transition>
     </mc:Fallback>
   </mc:AlternateContent>
+</p:sld>
+</file>
+
+<file path=ppt/slides/slide7.xml><?xml version="1.0" encoding="utf-8"?>
+<p:sld xmlns:a="http://schemas.openxmlformats.org/drawingml/2006/main" xmlns:r="http://schemas.openxmlformats.org/officeDocument/2006/relationships" xmlns:p="http://schemas.openxmlformats.org/presentationml/2006/main">
+  <p:cSld>
+    <p:spTree>
+      <p:nvGrpSpPr>
+        <p:cNvPr id="1" name=""/>
+        <p:cNvGrpSpPr/>
+        <p:nvPr/>
+      </p:nvGrpSpPr>
+      <p:grpSpPr>
+        <a:xfrm>
+          <a:off x="0" y="0"/>
+          <a:ext cx="0" cy="0"/>
+          <a:chOff x="0" y="0"/>
+          <a:chExt cx="0" cy="0"/>
+        </a:xfrm>
+      </p:grpSpPr>
+      <p:pic>
+        <p:nvPicPr>
+          <p:cNvPr id="1037" name="Obraz 30" descr="Jeremy Renner">
+            <a:extLst>
+              <a:ext uri="{FF2B5EF4-FFF2-40B4-BE49-F238E27FC236}">
+                <a16:creationId xmlns:a16="http://schemas.microsoft.com/office/drawing/2014/main" id="{1D87D161-5A8A-7B7C-3607-9F4CC899FD5F}"/>
+              </a:ext>
+            </a:extLst>
+          </p:cNvPr>
+          <p:cNvPicPr>
+            <a:picLocks noChangeAspect="1" noChangeArrowheads="1"/>
+          </p:cNvPicPr>
+          <p:nvPr/>
+        </p:nvPicPr>
+        <p:blipFill>
+          <a:blip r:embed="rId2">
+            <a:extLst>
+              <a:ext uri="{28A0092B-C50C-407E-A947-70E740481C1C}">
+                <a14:useLocalDpi xmlns:a14="http://schemas.microsoft.com/office/drawing/2010/main" val="0"/>
+              </a:ext>
+            </a:extLst>
+          </a:blip>
+          <a:srcRect/>
+          <a:stretch>
+            <a:fillRect/>
+          </a:stretch>
+        </p:blipFill>
+        <p:spPr bwMode="auto">
+          <a:xfrm>
+            <a:off x="477905" y="1266281"/>
+            <a:ext cx="1051063" cy="1051063"/>
+          </a:xfrm>
+          <a:prstGeom prst="rect">
+            <a:avLst/>
+          </a:prstGeom>
+          <a:noFill/>
+          <a:extLst>
+            <a:ext uri="{909E8E84-426E-40DD-AFC4-6F175D3DCCD1}">
+              <a14:hiddenFill xmlns:a14="http://schemas.microsoft.com/office/drawing/2010/main">
+                <a:solidFill>
+                  <a:srgbClr val="FFFFFF"/>
+                </a:solidFill>
+              </a14:hiddenFill>
+            </a:ext>
+          </a:extLst>
+        </p:spPr>
+      </p:pic>
+      <p:pic>
+        <p:nvPicPr>
+          <p:cNvPr id="1036" name="Obraz 29" descr="Morgan Freeman">
+            <a:extLst>
+              <a:ext uri="{FF2B5EF4-FFF2-40B4-BE49-F238E27FC236}">
+                <a16:creationId xmlns:a16="http://schemas.microsoft.com/office/drawing/2014/main" id="{A4C990D5-3523-03FD-AE71-A926AFB3ABB2}"/>
+              </a:ext>
+            </a:extLst>
+          </p:cNvPr>
+          <p:cNvPicPr>
+            <a:picLocks noChangeAspect="1" noChangeArrowheads="1"/>
+          </p:cNvPicPr>
+          <p:nvPr/>
+        </p:nvPicPr>
+        <p:blipFill>
+          <a:blip r:embed="rId3">
+            <a:extLst>
+              <a:ext uri="{28A0092B-C50C-407E-A947-70E740481C1C}">
+                <a14:useLocalDpi xmlns:a14="http://schemas.microsoft.com/office/drawing/2010/main" val="0"/>
+              </a:ext>
+            </a:extLst>
+          </a:blip>
+          <a:srcRect/>
+          <a:stretch>
+            <a:fillRect/>
+          </a:stretch>
+        </p:blipFill>
+        <p:spPr bwMode="auto">
+          <a:xfrm>
+            <a:off x="477905" y="2663831"/>
+            <a:ext cx="1051063" cy="1051063"/>
+          </a:xfrm>
+          <a:prstGeom prst="rect">
+            <a:avLst/>
+          </a:prstGeom>
+          <a:noFill/>
+          <a:extLst>
+            <a:ext uri="{909E8E84-426E-40DD-AFC4-6F175D3DCCD1}">
+              <a14:hiddenFill xmlns:a14="http://schemas.microsoft.com/office/drawing/2010/main">
+                <a:solidFill>
+                  <a:srgbClr val="FFFFFF"/>
+                </a:solidFill>
+              </a14:hiddenFill>
+            </a:ext>
+          </a:extLst>
+        </p:spPr>
+      </p:pic>
+      <p:pic>
+        <p:nvPicPr>
+          <p:cNvPr id="1035" name="Obraz 28" descr="Colin Firth">
+            <a:extLst>
+              <a:ext uri="{FF2B5EF4-FFF2-40B4-BE49-F238E27FC236}">
+                <a16:creationId xmlns:a16="http://schemas.microsoft.com/office/drawing/2014/main" id="{42D31A14-08ED-8C8D-2179-D0D30A4D1221}"/>
+              </a:ext>
+            </a:extLst>
+          </p:cNvPr>
+          <p:cNvPicPr>
+            <a:picLocks noChangeAspect="1" noChangeArrowheads="1"/>
+          </p:cNvPicPr>
+          <p:nvPr/>
+        </p:nvPicPr>
+        <p:blipFill>
+          <a:blip r:embed="rId4">
+            <a:extLst>
+              <a:ext uri="{28A0092B-C50C-407E-A947-70E740481C1C}">
+                <a14:useLocalDpi xmlns:a14="http://schemas.microsoft.com/office/drawing/2010/main" val="0"/>
+              </a:ext>
+            </a:extLst>
+          </a:blip>
+          <a:srcRect/>
+          <a:stretch>
+            <a:fillRect/>
+          </a:stretch>
+        </p:blipFill>
+        <p:spPr bwMode="auto">
+          <a:xfrm>
+            <a:off x="477904" y="4061381"/>
+            <a:ext cx="1051063" cy="1051063"/>
+          </a:xfrm>
+          <a:prstGeom prst="rect">
+            <a:avLst/>
+          </a:prstGeom>
+          <a:noFill/>
+          <a:extLst>
+            <a:ext uri="{909E8E84-426E-40DD-AFC4-6F175D3DCCD1}">
+              <a14:hiddenFill xmlns:a14="http://schemas.microsoft.com/office/drawing/2010/main">
+                <a:solidFill>
+                  <a:srgbClr val="FFFFFF"/>
+                </a:solidFill>
+              </a14:hiddenFill>
+            </a:ext>
+          </a:extLst>
+        </p:spPr>
+      </p:pic>
+      <p:pic>
+        <p:nvPicPr>
+          <p:cNvPr id="1034" name="Obraz 27" descr="George Clooney">
+            <a:extLst>
+              <a:ext uri="{FF2B5EF4-FFF2-40B4-BE49-F238E27FC236}">
+                <a16:creationId xmlns:a16="http://schemas.microsoft.com/office/drawing/2014/main" id="{FBB1A79A-A9F6-4453-30BF-050BA6AB7A5C}"/>
+              </a:ext>
+            </a:extLst>
+          </p:cNvPr>
+          <p:cNvPicPr>
+            <a:picLocks noChangeAspect="1" noChangeArrowheads="1"/>
+          </p:cNvPicPr>
+          <p:nvPr/>
+        </p:nvPicPr>
+        <p:blipFill>
+          <a:blip r:embed="rId5">
+            <a:extLst>
+              <a:ext uri="{28A0092B-C50C-407E-A947-70E740481C1C}">
+                <a14:useLocalDpi xmlns:a14="http://schemas.microsoft.com/office/drawing/2010/main" val="0"/>
+              </a:ext>
+            </a:extLst>
+          </a:blip>
+          <a:srcRect/>
+          <a:stretch>
+            <a:fillRect/>
+          </a:stretch>
+        </p:blipFill>
+        <p:spPr bwMode="auto">
+          <a:xfrm>
+            <a:off x="477903" y="5458931"/>
+            <a:ext cx="1051063" cy="1051063"/>
+          </a:xfrm>
+          <a:prstGeom prst="rect">
+            <a:avLst/>
+          </a:prstGeom>
+          <a:noFill/>
+          <a:extLst>
+            <a:ext uri="{909E8E84-426E-40DD-AFC4-6F175D3DCCD1}">
+              <a14:hiddenFill xmlns:a14="http://schemas.microsoft.com/office/drawing/2010/main">
+                <a:solidFill>
+                  <a:srgbClr val="FFFFFF"/>
+                </a:solidFill>
+              </a14:hiddenFill>
+            </a:ext>
+          </a:extLst>
+        </p:spPr>
+      </p:pic>
+      <p:sp>
+        <p:nvSpPr>
+          <p:cNvPr id="10" name="Rectangle 15">
+            <a:hlinkClick r:id="rId6"/>
+            <a:extLst>
+              <a:ext uri="{FF2B5EF4-FFF2-40B4-BE49-F238E27FC236}">
+                <a16:creationId xmlns:a16="http://schemas.microsoft.com/office/drawing/2014/main" id="{32B7122A-B32F-56BF-C457-3CE5901E88F6}"/>
+              </a:ext>
+            </a:extLst>
+          </p:cNvPr>
+          <p:cNvSpPr>
+            <a:spLocks noChangeArrowheads="1"/>
+          </p:cNvSpPr>
+          <p:nvPr/>
+        </p:nvSpPr>
+        <p:spPr bwMode="auto">
+          <a:xfrm>
+            <a:off x="1687994" y="1266281"/>
+            <a:ext cx="7474226" cy="677108"/>
+          </a:xfrm>
+          <a:prstGeom prst="rect">
+            <a:avLst/>
+          </a:prstGeom>
+          <a:noFill/>
+          <a:ln>
+            <a:noFill/>
+          </a:ln>
+          <a:effectLst/>
+          <a:extLst>
+            <a:ext uri="{909E8E84-426E-40DD-AFC4-6F175D3DCCD1}">
+              <a14:hiddenFill xmlns:a14="http://schemas.microsoft.com/office/drawing/2010/main">
+                <a:solidFill>
+                  <a:schemeClr val="accent1"/>
+                </a:solidFill>
+              </a14:hiddenFill>
+            </a:ext>
+            <a:ext uri="{91240B29-F687-4F45-9708-019B960494DF}">
+              <a14:hiddenLine xmlns:a14="http://schemas.microsoft.com/office/drawing/2010/main" w="9525">
+                <a:solidFill>
+                  <a:schemeClr val="tx1"/>
+                </a:solidFill>
+                <a:miter lim="800000"/>
+                <a:headEnd/>
+                <a:tailEnd/>
+              </a14:hiddenLine>
+            </a:ext>
+            <a:ext uri="{AF507438-7753-43E0-B8FC-AC1667EBCBE1}">
+              <a14:hiddenEffects xmlns:a14="http://schemas.microsoft.com/office/drawing/2010/main">
+                <a:effectLst>
+                  <a:outerShdw dist="35921" dir="2700000" algn="ctr" rotWithShape="0">
+                    <a:schemeClr val="bg2"/>
+                  </a:outerShdw>
+                </a:effectLst>
+              </a14:hiddenEffects>
+            </a:ext>
+          </a:extLst>
+        </p:spPr>
+        <p:txBody>
+          <a:bodyPr vert="horz" wrap="square" lIns="91440" tIns="45720" rIns="91440" bIns="45720" numCol="1" anchor="ctr" anchorCtr="0" compatLnSpc="1">
+            <a:prstTxWarp prst="textNoShape">
+              <a:avLst/>
+            </a:prstTxWarp>
+            <a:spAutoFit/>
+          </a:bodyPr>
+          <a:lstStyle/>
+          <a:p>
+            <a:pPr marL="0" marR="0" lvl="0" indent="0" algn="l" defTabSz="914400" rtl="0" eaLnBrk="0" fontAlgn="base" latinLnBrk="0" hangingPunct="0">
+              <a:lnSpc>
+                <a:spcPct val="100000"/>
+              </a:lnSpc>
+              <a:spcBef>
+                <a:spcPct val="0"/>
+              </a:spcBef>
+              <a:spcAft>
+                <a:spcPct val="0"/>
+              </a:spcAft>
+              <a:buClrTx/>
+              <a:buSzTx/>
+              <a:buFontTx/>
+              <a:buNone/>
+              <a:tabLst/>
+            </a:pPr>
+            <a:r>
+              <a:rPr kumimoji="0" lang="pl-PL" altLang="pl-PL" sz="1000" b="0" i="0" u="none" strike="noStrike" cap="none" normalizeH="0" baseline="0">
+                <a:ln>
+                  <a:noFill/>
+                </a:ln>
+                <a:solidFill>
+                  <a:schemeClr val="tx1"/>
+                </a:solidFill>
+                <a:effectLst/>
+                <a:latin typeface="Aptos" panose="020B0004020202020204" pitchFamily="34" charset="0"/>
+                <a:ea typeface="Times New Roman" panose="02020603050405020304" pitchFamily="18" charset="0"/>
+                <a:cs typeface="Times New Roman" panose="02020603050405020304" pitchFamily="18" charset="0"/>
+                <a:hlinkClick r:id="rId6"/>
+              </a:rPr>
+              <a:t>Jeremy Renner</a:t>
+            </a:r>
+            <a:endParaRPr kumimoji="0" lang="pl-PL" altLang="pl-PL" sz="800" b="0" i="0" u="none" strike="noStrike" cap="none" normalizeH="0" baseline="0">
+              <a:ln>
+                <a:noFill/>
+              </a:ln>
+              <a:solidFill>
+                <a:schemeClr val="tx1"/>
+              </a:solidFill>
+              <a:effectLst/>
+            </a:endParaRPr>
+          </a:p>
+          <a:p>
+            <a:pPr marL="0" marR="0" lvl="0" indent="0" algn="l" defTabSz="914400" rtl="0" eaLnBrk="0" fontAlgn="base" latinLnBrk="0" hangingPunct="0">
+              <a:lnSpc>
+                <a:spcPct val="100000"/>
+              </a:lnSpc>
+              <a:spcBef>
+                <a:spcPct val="0"/>
+              </a:spcBef>
+              <a:spcAft>
+                <a:spcPct val="0"/>
+              </a:spcAft>
+              <a:buClrTx/>
+              <a:buSzTx/>
+              <a:buFontTx/>
+              <a:buNone/>
+              <a:tabLst/>
+            </a:pPr>
+            <a:r>
+              <a:rPr kumimoji="0" lang="pl-PL" altLang="pl-PL" sz="1000" b="0" i="0" u="none" strike="noStrike" cap="none" normalizeH="0" baseline="0">
+                <a:ln>
+                  <a:noFill/>
+                </a:ln>
+                <a:solidFill>
+                  <a:schemeClr val="tx1"/>
+                </a:solidFill>
+                <a:effectLst/>
+                <a:latin typeface="Aptos" panose="020B0004020202020204" pitchFamily="34" charset="0"/>
+                <a:ea typeface="Times New Roman" panose="02020603050405020304" pitchFamily="18" charset="0"/>
+                <a:cs typeface="Times New Roman" panose="02020603050405020304" pitchFamily="18" charset="0"/>
+                <a:hlinkClick r:id="rId7"/>
+              </a:rPr>
+              <a:t>The Hurt Locker. W pułapce wojny</a:t>
+            </a:r>
+            <a:endParaRPr kumimoji="0" lang="pl-PL" altLang="pl-PL" sz="800" b="0" i="0" u="none" strike="noStrike" cap="none" normalizeH="0" baseline="0">
+              <a:ln>
+                <a:noFill/>
+              </a:ln>
+              <a:solidFill>
+                <a:schemeClr val="tx1"/>
+              </a:solidFill>
+              <a:effectLst/>
+            </a:endParaRPr>
+          </a:p>
+          <a:p>
+            <a:pPr marL="0" marR="0" lvl="0" indent="0" algn="l" defTabSz="914400" rtl="0" eaLnBrk="0" fontAlgn="base" latinLnBrk="0" hangingPunct="0">
+              <a:lnSpc>
+                <a:spcPct val="100000"/>
+              </a:lnSpc>
+              <a:spcBef>
+                <a:spcPct val="0"/>
+              </a:spcBef>
+              <a:spcAft>
+                <a:spcPct val="0"/>
+              </a:spcAft>
+              <a:buClrTx/>
+              <a:buSzTx/>
+              <a:buFontTx/>
+              <a:buNone/>
+              <a:tabLst/>
+            </a:pPr>
+            <a:endParaRPr kumimoji="0" lang="pl-PL" altLang="pl-PL" sz="1800" b="0" i="0" u="none" strike="noStrike" cap="none" normalizeH="0" baseline="0">
+              <a:ln>
+                <a:noFill/>
+              </a:ln>
+              <a:solidFill>
+                <a:schemeClr val="tx1"/>
+              </a:solidFill>
+              <a:effectLst/>
+              <a:latin typeface="Arial" panose="020B0604020202020204" pitchFamily="34" charset="0"/>
+            </a:endParaRPr>
+          </a:p>
+        </p:txBody>
+      </p:sp>
+      <p:sp>
+        <p:nvSpPr>
+          <p:cNvPr id="11" name="Rectangle 16">
+            <a:hlinkClick r:id="rId8"/>
+            <a:extLst>
+              <a:ext uri="{FF2B5EF4-FFF2-40B4-BE49-F238E27FC236}">
+                <a16:creationId xmlns:a16="http://schemas.microsoft.com/office/drawing/2014/main" id="{B9AB38EE-3A43-1A71-9555-15A7B7CE201D}"/>
+              </a:ext>
+            </a:extLst>
+          </p:cNvPr>
+          <p:cNvSpPr>
+            <a:spLocks noChangeArrowheads="1"/>
+          </p:cNvSpPr>
+          <p:nvPr/>
+        </p:nvSpPr>
+        <p:spPr bwMode="auto">
+          <a:xfrm>
+            <a:off x="1687994" y="2663831"/>
+            <a:ext cx="1439519" cy="677108"/>
+          </a:xfrm>
+          <a:prstGeom prst="rect">
+            <a:avLst/>
+          </a:prstGeom>
+          <a:noFill/>
+          <a:ln>
+            <a:noFill/>
+          </a:ln>
+          <a:effectLst/>
+          <a:extLst>
+            <a:ext uri="{909E8E84-426E-40DD-AFC4-6F175D3DCCD1}">
+              <a14:hiddenFill xmlns:a14="http://schemas.microsoft.com/office/drawing/2010/main">
+                <a:solidFill>
+                  <a:schemeClr val="accent1"/>
+                </a:solidFill>
+              </a14:hiddenFill>
+            </a:ext>
+            <a:ext uri="{91240B29-F687-4F45-9708-019B960494DF}">
+              <a14:hiddenLine xmlns:a14="http://schemas.microsoft.com/office/drawing/2010/main" w="9525">
+                <a:solidFill>
+                  <a:schemeClr val="tx1"/>
+                </a:solidFill>
+                <a:miter lim="800000"/>
+                <a:headEnd/>
+                <a:tailEnd/>
+              </a14:hiddenLine>
+            </a:ext>
+            <a:ext uri="{AF507438-7753-43E0-B8FC-AC1667EBCBE1}">
+              <a14:hiddenEffects xmlns:a14="http://schemas.microsoft.com/office/drawing/2010/main">
+                <a:effectLst>
+                  <a:outerShdw dist="35921" dir="2700000" algn="ctr" rotWithShape="0">
+                    <a:schemeClr val="bg2"/>
+                  </a:outerShdw>
+                </a:effectLst>
+              </a14:hiddenEffects>
+            </a:ext>
+          </a:extLst>
+        </p:spPr>
+        <p:txBody>
+          <a:bodyPr vert="horz" wrap="square" lIns="91440" tIns="45720" rIns="91440" bIns="45720" numCol="1" anchor="ctr" anchorCtr="0" compatLnSpc="1">
+            <a:prstTxWarp prst="textNoShape">
+              <a:avLst/>
+            </a:prstTxWarp>
+            <a:spAutoFit/>
+          </a:bodyPr>
+          <a:lstStyle/>
+          <a:p>
+            <a:pPr marL="0" marR="0" lvl="0" indent="0" algn="l" defTabSz="914400" rtl="0" eaLnBrk="0" fontAlgn="base" latinLnBrk="0" hangingPunct="0">
+              <a:lnSpc>
+                <a:spcPct val="100000"/>
+              </a:lnSpc>
+              <a:spcBef>
+                <a:spcPct val="0"/>
+              </a:spcBef>
+              <a:spcAft>
+                <a:spcPct val="0"/>
+              </a:spcAft>
+              <a:buClrTx/>
+              <a:buSzTx/>
+              <a:buFontTx/>
+              <a:buNone/>
+              <a:tabLst/>
+            </a:pPr>
+            <a:r>
+              <a:rPr kumimoji="0" lang="pl-PL" altLang="pl-PL" sz="1000" b="0" i="0" u="none" strike="noStrike" cap="none" normalizeH="0" baseline="0">
+                <a:ln>
+                  <a:noFill/>
+                </a:ln>
+                <a:solidFill>
+                  <a:schemeClr val="tx1"/>
+                </a:solidFill>
+                <a:effectLst/>
+                <a:latin typeface="Aptos" panose="020B0004020202020204" pitchFamily="34" charset="0"/>
+                <a:ea typeface="Times New Roman" panose="02020603050405020304" pitchFamily="18" charset="0"/>
+                <a:cs typeface="Times New Roman" panose="02020603050405020304" pitchFamily="18" charset="0"/>
+                <a:hlinkClick r:id="rId8"/>
+              </a:rPr>
+              <a:t>Morgan Freeman</a:t>
+            </a:r>
+            <a:endParaRPr kumimoji="0" lang="pl-PL" altLang="pl-PL" sz="800" b="0" i="0" u="none" strike="noStrike" cap="none" normalizeH="0" baseline="0">
+              <a:ln>
+                <a:noFill/>
+              </a:ln>
+              <a:solidFill>
+                <a:schemeClr val="tx1"/>
+              </a:solidFill>
+              <a:effectLst/>
+            </a:endParaRPr>
+          </a:p>
+          <a:p>
+            <a:pPr marL="0" marR="0" lvl="0" indent="0" algn="l" defTabSz="914400" rtl="0" eaLnBrk="0" fontAlgn="base" latinLnBrk="0" hangingPunct="0">
+              <a:lnSpc>
+                <a:spcPct val="100000"/>
+              </a:lnSpc>
+              <a:spcBef>
+                <a:spcPct val="0"/>
+              </a:spcBef>
+              <a:spcAft>
+                <a:spcPct val="0"/>
+              </a:spcAft>
+              <a:buClrTx/>
+              <a:buSzTx/>
+              <a:buFontTx/>
+              <a:buNone/>
+              <a:tabLst/>
+            </a:pPr>
+            <a:r>
+              <a:rPr kumimoji="0" lang="pl-PL" altLang="pl-PL" sz="1000" b="0" i="0" u="none" strike="noStrike" cap="none" normalizeH="0" baseline="0">
+                <a:ln>
+                  <a:noFill/>
+                </a:ln>
+                <a:solidFill>
+                  <a:schemeClr val="tx1"/>
+                </a:solidFill>
+                <a:effectLst/>
+                <a:latin typeface="Aptos" panose="020B0004020202020204" pitchFamily="34" charset="0"/>
+                <a:ea typeface="Times New Roman" panose="02020603050405020304" pitchFamily="18" charset="0"/>
+                <a:cs typeface="Times New Roman" panose="02020603050405020304" pitchFamily="18" charset="0"/>
+                <a:hlinkClick r:id="rId9"/>
+              </a:rPr>
+              <a:t>Invictus - Niepokonany</a:t>
+            </a:r>
+            <a:endParaRPr kumimoji="0" lang="pl-PL" altLang="pl-PL" sz="800" b="0" i="0" u="none" strike="noStrike" cap="none" normalizeH="0" baseline="0">
+              <a:ln>
+                <a:noFill/>
+              </a:ln>
+              <a:solidFill>
+                <a:schemeClr val="tx1"/>
+              </a:solidFill>
+              <a:effectLst/>
+            </a:endParaRPr>
+          </a:p>
+          <a:p>
+            <a:pPr marL="0" marR="0" lvl="0" indent="0" algn="l" defTabSz="914400" rtl="0" eaLnBrk="0" fontAlgn="base" latinLnBrk="0" hangingPunct="0">
+              <a:lnSpc>
+                <a:spcPct val="100000"/>
+              </a:lnSpc>
+              <a:spcBef>
+                <a:spcPct val="0"/>
+              </a:spcBef>
+              <a:spcAft>
+                <a:spcPct val="0"/>
+              </a:spcAft>
+              <a:buClrTx/>
+              <a:buSzTx/>
+              <a:buFontTx/>
+              <a:buNone/>
+              <a:tabLst/>
+            </a:pPr>
+            <a:endParaRPr kumimoji="0" lang="pl-PL" altLang="pl-PL" sz="1800" b="0" i="0" u="none" strike="noStrike" cap="none" normalizeH="0" baseline="0">
+              <a:ln>
+                <a:noFill/>
+              </a:ln>
+              <a:solidFill>
+                <a:schemeClr val="tx1"/>
+              </a:solidFill>
+              <a:effectLst/>
+              <a:latin typeface="Arial" panose="020B0604020202020204" pitchFamily="34" charset="0"/>
+            </a:endParaRPr>
+          </a:p>
+        </p:txBody>
+      </p:sp>
+      <p:sp>
+        <p:nvSpPr>
+          <p:cNvPr id="12" name="Rectangle 17">
+            <a:hlinkClick r:id="rId10"/>
+            <a:extLst>
+              <a:ext uri="{FF2B5EF4-FFF2-40B4-BE49-F238E27FC236}">
+                <a16:creationId xmlns:a16="http://schemas.microsoft.com/office/drawing/2014/main" id="{2C4C4836-8F79-50DF-A0DB-D834F9C67CCC}"/>
+              </a:ext>
+            </a:extLst>
+          </p:cNvPr>
+          <p:cNvSpPr>
+            <a:spLocks noChangeArrowheads="1"/>
+          </p:cNvSpPr>
+          <p:nvPr/>
+        </p:nvSpPr>
+        <p:spPr bwMode="auto">
+          <a:xfrm>
+            <a:off x="1701246" y="4266364"/>
+            <a:ext cx="1572041" cy="677108"/>
+          </a:xfrm>
+          <a:prstGeom prst="rect">
+            <a:avLst/>
+          </a:prstGeom>
+          <a:noFill/>
+          <a:ln>
+            <a:noFill/>
+          </a:ln>
+          <a:effectLst/>
+          <a:extLst>
+            <a:ext uri="{909E8E84-426E-40DD-AFC4-6F175D3DCCD1}">
+              <a14:hiddenFill xmlns:a14="http://schemas.microsoft.com/office/drawing/2010/main">
+                <a:solidFill>
+                  <a:schemeClr val="accent1"/>
+                </a:solidFill>
+              </a14:hiddenFill>
+            </a:ext>
+            <a:ext uri="{91240B29-F687-4F45-9708-019B960494DF}">
+              <a14:hiddenLine xmlns:a14="http://schemas.microsoft.com/office/drawing/2010/main" w="9525">
+                <a:solidFill>
+                  <a:schemeClr val="tx1"/>
+                </a:solidFill>
+                <a:miter lim="800000"/>
+                <a:headEnd/>
+                <a:tailEnd/>
+              </a14:hiddenLine>
+            </a:ext>
+            <a:ext uri="{AF507438-7753-43E0-B8FC-AC1667EBCBE1}">
+              <a14:hiddenEffects xmlns:a14="http://schemas.microsoft.com/office/drawing/2010/main">
+                <a:effectLst>
+                  <a:outerShdw dist="35921" dir="2700000" algn="ctr" rotWithShape="0">
+                    <a:schemeClr val="bg2"/>
+                  </a:outerShdw>
+                </a:effectLst>
+              </a14:hiddenEffects>
+            </a:ext>
+          </a:extLst>
+        </p:spPr>
+        <p:txBody>
+          <a:bodyPr vert="horz" wrap="square" lIns="91440" tIns="45720" rIns="91440" bIns="45720" numCol="1" anchor="ctr" anchorCtr="0" compatLnSpc="1">
+            <a:prstTxWarp prst="textNoShape">
+              <a:avLst/>
+            </a:prstTxWarp>
+            <a:spAutoFit/>
+          </a:bodyPr>
+          <a:lstStyle/>
+          <a:p>
+            <a:pPr marL="0" marR="0" lvl="0" indent="0" algn="l" defTabSz="914400" rtl="0" eaLnBrk="0" fontAlgn="base" latinLnBrk="0" hangingPunct="0">
+              <a:lnSpc>
+                <a:spcPct val="100000"/>
+              </a:lnSpc>
+              <a:spcBef>
+                <a:spcPct val="0"/>
+              </a:spcBef>
+              <a:spcAft>
+                <a:spcPct val="0"/>
+              </a:spcAft>
+              <a:buClrTx/>
+              <a:buSzTx/>
+              <a:buFontTx/>
+              <a:buNone/>
+              <a:tabLst/>
+            </a:pPr>
+            <a:r>
+              <a:rPr kumimoji="0" lang="pl-PL" altLang="pl-PL" sz="1000" b="0" i="0" u="none" strike="noStrike" cap="none" normalizeH="0" baseline="0">
+                <a:ln>
+                  <a:noFill/>
+                </a:ln>
+                <a:solidFill>
+                  <a:schemeClr val="tx1"/>
+                </a:solidFill>
+                <a:effectLst/>
+                <a:latin typeface="Aptos" panose="020B0004020202020204" pitchFamily="34" charset="0"/>
+                <a:ea typeface="Times New Roman" panose="02020603050405020304" pitchFamily="18" charset="0"/>
+                <a:cs typeface="Times New Roman" panose="02020603050405020304" pitchFamily="18" charset="0"/>
+                <a:hlinkClick r:id="rId10"/>
+              </a:rPr>
+              <a:t>Colin Firth</a:t>
+            </a:r>
+            <a:endParaRPr kumimoji="0" lang="pl-PL" altLang="pl-PL" sz="800" b="0" i="0" u="none" strike="noStrike" cap="none" normalizeH="0" baseline="0">
+              <a:ln>
+                <a:noFill/>
+              </a:ln>
+              <a:solidFill>
+                <a:schemeClr val="tx1"/>
+              </a:solidFill>
+              <a:effectLst/>
+            </a:endParaRPr>
+          </a:p>
+          <a:p>
+            <a:pPr marL="0" marR="0" lvl="0" indent="0" algn="l" defTabSz="914400" rtl="0" eaLnBrk="0" fontAlgn="base" latinLnBrk="0" hangingPunct="0">
+              <a:lnSpc>
+                <a:spcPct val="100000"/>
+              </a:lnSpc>
+              <a:spcBef>
+                <a:spcPct val="0"/>
+              </a:spcBef>
+              <a:spcAft>
+                <a:spcPct val="0"/>
+              </a:spcAft>
+              <a:buClrTx/>
+              <a:buSzTx/>
+              <a:buFontTx/>
+              <a:buNone/>
+              <a:tabLst/>
+            </a:pPr>
+            <a:r>
+              <a:rPr kumimoji="0" lang="pl-PL" altLang="pl-PL" sz="1000" b="0" i="0" u="none" strike="noStrike" cap="none" normalizeH="0" baseline="0">
+                <a:ln>
+                  <a:noFill/>
+                </a:ln>
+                <a:solidFill>
+                  <a:schemeClr val="tx1"/>
+                </a:solidFill>
+                <a:effectLst/>
+                <a:latin typeface="Aptos" panose="020B0004020202020204" pitchFamily="34" charset="0"/>
+                <a:ea typeface="Times New Roman" panose="02020603050405020304" pitchFamily="18" charset="0"/>
+                <a:cs typeface="Times New Roman" panose="02020603050405020304" pitchFamily="18" charset="0"/>
+                <a:hlinkClick r:id="rId11"/>
+              </a:rPr>
+              <a:t>Samotny mężczyzna</a:t>
+            </a:r>
+            <a:endParaRPr kumimoji="0" lang="pl-PL" altLang="pl-PL" sz="800" b="0" i="0" u="none" strike="noStrike" cap="none" normalizeH="0" baseline="0">
+              <a:ln>
+                <a:noFill/>
+              </a:ln>
+              <a:solidFill>
+                <a:schemeClr val="tx1"/>
+              </a:solidFill>
+              <a:effectLst/>
+            </a:endParaRPr>
+          </a:p>
+          <a:p>
+            <a:pPr marL="0" marR="0" lvl="0" indent="0" algn="l" defTabSz="914400" rtl="0" eaLnBrk="0" fontAlgn="base" latinLnBrk="0" hangingPunct="0">
+              <a:lnSpc>
+                <a:spcPct val="100000"/>
+              </a:lnSpc>
+              <a:spcBef>
+                <a:spcPct val="0"/>
+              </a:spcBef>
+              <a:spcAft>
+                <a:spcPct val="0"/>
+              </a:spcAft>
+              <a:buClrTx/>
+              <a:buSzTx/>
+              <a:buFontTx/>
+              <a:buNone/>
+              <a:tabLst/>
+            </a:pPr>
+            <a:endParaRPr kumimoji="0" lang="pl-PL" altLang="pl-PL" sz="1800" b="0" i="0" u="none" strike="noStrike" cap="none" normalizeH="0" baseline="0">
+              <a:ln>
+                <a:noFill/>
+              </a:ln>
+              <a:solidFill>
+                <a:schemeClr val="tx1"/>
+              </a:solidFill>
+              <a:effectLst/>
+              <a:latin typeface="Arial" panose="020B0604020202020204" pitchFamily="34" charset="0"/>
+            </a:endParaRPr>
+          </a:p>
+        </p:txBody>
+      </p:sp>
+      <p:sp>
+        <p:nvSpPr>
+          <p:cNvPr id="13" name="Rectangle 18">
+            <a:hlinkClick r:id="rId12"/>
+            <a:extLst>
+              <a:ext uri="{FF2B5EF4-FFF2-40B4-BE49-F238E27FC236}">
+                <a16:creationId xmlns:a16="http://schemas.microsoft.com/office/drawing/2014/main" id="{2B440780-6A4F-6EB6-6FAE-858D9CC7C3DA}"/>
+              </a:ext>
+            </a:extLst>
+          </p:cNvPr>
+          <p:cNvSpPr>
+            <a:spLocks noChangeArrowheads="1"/>
+          </p:cNvSpPr>
+          <p:nvPr/>
+        </p:nvSpPr>
+        <p:spPr bwMode="auto">
+          <a:xfrm>
+            <a:off x="1701246" y="5663914"/>
+            <a:ext cx="3803373" cy="400110"/>
+          </a:xfrm>
+          <a:prstGeom prst="rect">
+            <a:avLst/>
+          </a:prstGeom>
+          <a:noFill/>
+          <a:ln>
+            <a:noFill/>
+          </a:ln>
+          <a:effectLst/>
+          <a:extLst>
+            <a:ext uri="{909E8E84-426E-40DD-AFC4-6F175D3DCCD1}">
+              <a14:hiddenFill xmlns:a14="http://schemas.microsoft.com/office/drawing/2010/main">
+                <a:solidFill>
+                  <a:schemeClr val="accent1"/>
+                </a:solidFill>
+              </a14:hiddenFill>
+            </a:ext>
+            <a:ext uri="{91240B29-F687-4F45-9708-019B960494DF}">
+              <a14:hiddenLine xmlns:a14="http://schemas.microsoft.com/office/drawing/2010/main" w="9525">
+                <a:solidFill>
+                  <a:schemeClr val="tx1"/>
+                </a:solidFill>
+                <a:miter lim="800000"/>
+                <a:headEnd/>
+                <a:tailEnd/>
+              </a14:hiddenLine>
+            </a:ext>
+            <a:ext uri="{AF507438-7753-43E0-B8FC-AC1667EBCBE1}">
+              <a14:hiddenEffects xmlns:a14="http://schemas.microsoft.com/office/drawing/2010/main">
+                <a:effectLst>
+                  <a:outerShdw dist="35921" dir="2700000" algn="ctr" rotWithShape="0">
+                    <a:schemeClr val="bg2"/>
+                  </a:outerShdw>
+                </a:effectLst>
+              </a14:hiddenEffects>
+            </a:ext>
+          </a:extLst>
+        </p:spPr>
+        <p:txBody>
+          <a:bodyPr vert="horz" wrap="square" lIns="91440" tIns="45720" rIns="91440" bIns="45720" numCol="1" anchor="ctr" anchorCtr="0" compatLnSpc="1">
+            <a:prstTxWarp prst="textNoShape">
+              <a:avLst/>
+            </a:prstTxWarp>
+            <a:spAutoFit/>
+          </a:bodyPr>
+          <a:lstStyle/>
+          <a:p>
+            <a:pPr marL="0" marR="0" lvl="0" indent="0" defTabSz="914400" rtl="0" eaLnBrk="0" fontAlgn="base" latinLnBrk="0" hangingPunct="0">
+              <a:lnSpc>
+                <a:spcPct val="100000"/>
+              </a:lnSpc>
+              <a:spcBef>
+                <a:spcPct val="0"/>
+              </a:spcBef>
+              <a:spcAft>
+                <a:spcPct val="0"/>
+              </a:spcAft>
+              <a:buClrTx/>
+              <a:buSzTx/>
+              <a:buFontTx/>
+              <a:buNone/>
+              <a:tabLst/>
+            </a:pPr>
+            <a:r>
+              <a:rPr kumimoji="0" lang="pl-PL" altLang="pl-PL" sz="1000" b="0" i="0" u="none" strike="noStrike" cap="none" normalizeH="0" baseline="0">
+                <a:ln>
+                  <a:noFill/>
+                </a:ln>
+                <a:solidFill>
+                  <a:schemeClr val="tx1"/>
+                </a:solidFill>
+                <a:effectLst/>
+                <a:latin typeface="Aptos" panose="020B0004020202020204" pitchFamily="34" charset="0"/>
+                <a:ea typeface="Times New Roman" panose="02020603050405020304" pitchFamily="18" charset="0"/>
+                <a:cs typeface="Times New Roman" panose="02020603050405020304" pitchFamily="18" charset="0"/>
+                <a:hlinkClick r:id="rId12"/>
+              </a:rPr>
+              <a:t>George Clooney</a:t>
+            </a:r>
+            <a:endParaRPr kumimoji="0" lang="pl-PL" altLang="pl-PL" sz="800" b="0" i="0" u="none" strike="noStrike" cap="none" normalizeH="0" baseline="0">
+              <a:ln>
+                <a:noFill/>
+              </a:ln>
+              <a:solidFill>
+                <a:schemeClr val="tx1"/>
+              </a:solidFill>
+              <a:effectLst/>
+            </a:endParaRPr>
+          </a:p>
+          <a:p>
+            <a:pPr marL="0" marR="0" lvl="0" indent="0" defTabSz="914400" rtl="0" eaLnBrk="0" fontAlgn="base" latinLnBrk="0" hangingPunct="0">
+              <a:lnSpc>
+                <a:spcPct val="100000"/>
+              </a:lnSpc>
+              <a:spcBef>
+                <a:spcPct val="0"/>
+              </a:spcBef>
+              <a:spcAft>
+                <a:spcPct val="0"/>
+              </a:spcAft>
+              <a:buClrTx/>
+              <a:buSzTx/>
+              <a:buFontTx/>
+              <a:buNone/>
+              <a:tabLst/>
+            </a:pPr>
+            <a:r>
+              <a:rPr kumimoji="0" lang="pl-PL" altLang="pl-PL" sz="1000" b="0" i="0" u="none" strike="noStrike" cap="none" normalizeH="0" baseline="0">
+                <a:ln>
+                  <a:noFill/>
+                </a:ln>
+                <a:solidFill>
+                  <a:schemeClr val="tx1"/>
+                </a:solidFill>
+                <a:effectLst/>
+                <a:latin typeface="Aptos" panose="020B0004020202020204" pitchFamily="34" charset="0"/>
+                <a:ea typeface="Times New Roman" panose="02020603050405020304" pitchFamily="18" charset="0"/>
+                <a:cs typeface="Times New Roman" panose="02020603050405020304" pitchFamily="18" charset="0"/>
+                <a:hlinkClick r:id="rId13"/>
+              </a:rPr>
+              <a:t>W chmurach</a:t>
+            </a:r>
+            <a:endParaRPr kumimoji="0" lang="pl-PL" altLang="pl-PL" sz="1800" b="0" i="0" u="none" strike="noStrike" cap="none" normalizeH="0" baseline="0">
+              <a:ln>
+                <a:noFill/>
+              </a:ln>
+              <a:solidFill>
+                <a:schemeClr val="tx1"/>
+              </a:solidFill>
+              <a:effectLst/>
+              <a:latin typeface="Arial" panose="020B0604020202020204" pitchFamily="34" charset="0"/>
+            </a:endParaRPr>
+          </a:p>
+        </p:txBody>
+      </p:sp>
+      <p:sp>
+        <p:nvSpPr>
+          <p:cNvPr id="14" name="pole tekstowe 13">
+            <a:extLst>
+              <a:ext uri="{FF2B5EF4-FFF2-40B4-BE49-F238E27FC236}">
+                <a16:creationId xmlns:a16="http://schemas.microsoft.com/office/drawing/2014/main" id="{3C7F62F1-4F12-7B3D-9D8B-D7749BC1662C}"/>
+              </a:ext>
+            </a:extLst>
+          </p:cNvPr>
+          <p:cNvSpPr txBox="1"/>
+          <p:nvPr/>
+        </p:nvSpPr>
+        <p:spPr>
+          <a:xfrm>
+            <a:off x="5141843" y="156190"/>
+            <a:ext cx="1534394" cy="369332"/>
+          </a:xfrm>
+          <a:prstGeom prst="rect">
+            <a:avLst/>
+          </a:prstGeom>
+          <a:noFill/>
+        </p:spPr>
+        <p:txBody>
+          <a:bodyPr wrap="none" rtlCol="0">
+            <a:spAutoFit/>
+          </a:bodyPr>
+          <a:lstStyle/>
+          <a:p>
+            <a:r>
+              <a:rPr lang="pl-PL" dirty="0"/>
+              <a:t>Nominowani:</a:t>
+            </a:r>
+          </a:p>
+        </p:txBody>
+      </p:sp>
+      <p:sp>
+        <p:nvSpPr>
+          <p:cNvPr id="15" name="pole tekstowe 14">
+            <a:extLst>
+              <a:ext uri="{FF2B5EF4-FFF2-40B4-BE49-F238E27FC236}">
+                <a16:creationId xmlns:a16="http://schemas.microsoft.com/office/drawing/2014/main" id="{E3511539-A1D3-7F0B-871A-A8D0230E7AF3}"/>
+              </a:ext>
+            </a:extLst>
+          </p:cNvPr>
+          <p:cNvSpPr txBox="1"/>
+          <p:nvPr/>
+        </p:nvSpPr>
+        <p:spPr>
+          <a:xfrm>
+            <a:off x="477903" y="723706"/>
+            <a:ext cx="1050288" cy="369332"/>
+          </a:xfrm>
+          <a:prstGeom prst="rect">
+            <a:avLst/>
+          </a:prstGeom>
+          <a:noFill/>
+        </p:spPr>
+        <p:txBody>
+          <a:bodyPr wrap="none" rtlCol="0">
+            <a:spAutoFit/>
+          </a:bodyPr>
+          <a:lstStyle/>
+          <a:p>
+            <a:r>
+              <a:rPr lang="pl-PL" dirty="0"/>
+              <a:t>Aktorzy:</a:t>
+            </a:r>
+          </a:p>
+        </p:txBody>
+      </p:sp>
+      <p:sp>
+        <p:nvSpPr>
+          <p:cNvPr id="16" name="pole tekstowe 15">
+            <a:extLst>
+              <a:ext uri="{FF2B5EF4-FFF2-40B4-BE49-F238E27FC236}">
+                <a16:creationId xmlns:a16="http://schemas.microsoft.com/office/drawing/2014/main" id="{639F061F-DBEB-DCCD-B944-34A595C9F97D}"/>
+              </a:ext>
+            </a:extLst>
+          </p:cNvPr>
+          <p:cNvSpPr txBox="1"/>
+          <p:nvPr/>
+        </p:nvSpPr>
+        <p:spPr>
+          <a:xfrm>
+            <a:off x="5383896" y="757435"/>
+            <a:ext cx="1241045" cy="369332"/>
+          </a:xfrm>
+          <a:prstGeom prst="rect">
+            <a:avLst/>
+          </a:prstGeom>
+          <a:noFill/>
+        </p:spPr>
+        <p:txBody>
+          <a:bodyPr wrap="none" rtlCol="0">
+            <a:spAutoFit/>
+          </a:bodyPr>
+          <a:lstStyle/>
+          <a:p>
+            <a:r>
+              <a:rPr lang="pl-PL" dirty="0"/>
+              <a:t>reżyserzy:</a:t>
+            </a:r>
+          </a:p>
+        </p:txBody>
+      </p:sp>
+      <p:sp>
+        <p:nvSpPr>
+          <p:cNvPr id="17" name="pole tekstowe 16">
+            <a:extLst>
+              <a:ext uri="{FF2B5EF4-FFF2-40B4-BE49-F238E27FC236}">
+                <a16:creationId xmlns:a16="http://schemas.microsoft.com/office/drawing/2014/main" id="{EE7B8B13-C92C-DD68-FA1E-CDE57410C48E}"/>
+              </a:ext>
+            </a:extLst>
+          </p:cNvPr>
+          <p:cNvSpPr txBox="1"/>
+          <p:nvPr/>
+        </p:nvSpPr>
+        <p:spPr>
+          <a:xfrm>
+            <a:off x="9616307" y="798707"/>
+            <a:ext cx="887699" cy="369332"/>
+          </a:xfrm>
+          <a:prstGeom prst="rect">
+            <a:avLst/>
+          </a:prstGeom>
+          <a:noFill/>
+        </p:spPr>
+        <p:txBody>
+          <a:bodyPr wrap="square" rtlCol="0">
+            <a:spAutoFit/>
+          </a:bodyPr>
+          <a:lstStyle/>
+          <a:p>
+            <a:r>
+              <a:rPr lang="pl-PL" dirty="0"/>
+              <a:t>Filmy:</a:t>
+            </a:r>
+          </a:p>
+        </p:txBody>
+      </p:sp>
+      <p:pic>
+        <p:nvPicPr>
+          <p:cNvPr id="1057" name="Obraz 10" descr="Quentin Tarantino">
+            <a:extLst>
+              <a:ext uri="{FF2B5EF4-FFF2-40B4-BE49-F238E27FC236}">
+                <a16:creationId xmlns:a16="http://schemas.microsoft.com/office/drawing/2014/main" id="{CD0541ED-8581-D827-4C0B-5B498C16A5A6}"/>
+              </a:ext>
+            </a:extLst>
+          </p:cNvPr>
+          <p:cNvPicPr>
+            <a:picLocks noChangeAspect="1" noChangeArrowheads="1"/>
+          </p:cNvPicPr>
+          <p:nvPr/>
+        </p:nvPicPr>
+        <p:blipFill>
+          <a:blip r:embed="rId14">
+            <a:extLst>
+              <a:ext uri="{28A0092B-C50C-407E-A947-70E740481C1C}">
+                <a14:useLocalDpi xmlns:a14="http://schemas.microsoft.com/office/drawing/2010/main" val="0"/>
+              </a:ext>
+            </a:extLst>
+          </a:blip>
+          <a:srcRect/>
+          <a:stretch>
+            <a:fillRect/>
+          </a:stretch>
+        </p:blipFill>
+        <p:spPr bwMode="auto">
+          <a:xfrm>
+            <a:off x="4297314" y="1266281"/>
+            <a:ext cx="986327" cy="986327"/>
+          </a:xfrm>
+          <a:prstGeom prst="rect">
+            <a:avLst/>
+          </a:prstGeom>
+          <a:noFill/>
+          <a:extLst>
+            <a:ext uri="{909E8E84-426E-40DD-AFC4-6F175D3DCCD1}">
+              <a14:hiddenFill xmlns:a14="http://schemas.microsoft.com/office/drawing/2010/main">
+                <a:solidFill>
+                  <a:srgbClr val="FFFFFF"/>
+                </a:solidFill>
+              </a14:hiddenFill>
+            </a:ext>
+          </a:extLst>
+        </p:spPr>
+      </p:pic>
+      <p:pic>
+        <p:nvPicPr>
+          <p:cNvPr id="1056" name="Obraz 9" descr="James Cameron">
+            <a:extLst>
+              <a:ext uri="{FF2B5EF4-FFF2-40B4-BE49-F238E27FC236}">
+                <a16:creationId xmlns:a16="http://schemas.microsoft.com/office/drawing/2014/main" id="{4659C313-E777-EF10-30B1-5055AC7C5BF0}"/>
+              </a:ext>
+            </a:extLst>
+          </p:cNvPr>
+          <p:cNvPicPr>
+            <a:picLocks noChangeAspect="1" noChangeArrowheads="1"/>
+          </p:cNvPicPr>
+          <p:nvPr/>
+        </p:nvPicPr>
+        <p:blipFill>
+          <a:blip r:embed="rId15">
+            <a:extLst>
+              <a:ext uri="{28A0092B-C50C-407E-A947-70E740481C1C}">
+                <a14:useLocalDpi xmlns:a14="http://schemas.microsoft.com/office/drawing/2010/main" val="0"/>
+              </a:ext>
+            </a:extLst>
+          </a:blip>
+          <a:srcRect/>
+          <a:stretch>
+            <a:fillRect/>
+          </a:stretch>
+        </p:blipFill>
+        <p:spPr bwMode="auto">
+          <a:xfrm>
+            <a:off x="4297315" y="2560711"/>
+            <a:ext cx="986327" cy="986327"/>
+          </a:xfrm>
+          <a:prstGeom prst="rect">
+            <a:avLst/>
+          </a:prstGeom>
+          <a:noFill/>
+          <a:extLst>
+            <a:ext uri="{909E8E84-426E-40DD-AFC4-6F175D3DCCD1}">
+              <a14:hiddenFill xmlns:a14="http://schemas.microsoft.com/office/drawing/2010/main">
+                <a:solidFill>
+                  <a:srgbClr val="FFFFFF"/>
+                </a:solidFill>
+              </a14:hiddenFill>
+            </a:ext>
+          </a:extLst>
+        </p:spPr>
+      </p:pic>
+      <p:pic>
+        <p:nvPicPr>
+          <p:cNvPr id="1055" name="Obraz 8" descr="Lee Daniels">
+            <a:extLst>
+              <a:ext uri="{FF2B5EF4-FFF2-40B4-BE49-F238E27FC236}">
+                <a16:creationId xmlns:a16="http://schemas.microsoft.com/office/drawing/2014/main" id="{85E1ADC6-A01D-5910-B17D-E993D5028971}"/>
+              </a:ext>
+            </a:extLst>
+          </p:cNvPr>
+          <p:cNvPicPr>
+            <a:picLocks noChangeAspect="1" noChangeArrowheads="1"/>
+          </p:cNvPicPr>
+          <p:nvPr/>
+        </p:nvPicPr>
+        <p:blipFill>
+          <a:blip r:embed="rId16">
+            <a:extLst>
+              <a:ext uri="{28A0092B-C50C-407E-A947-70E740481C1C}">
+                <a14:useLocalDpi xmlns:a14="http://schemas.microsoft.com/office/drawing/2010/main" val="0"/>
+              </a:ext>
+            </a:extLst>
+          </a:blip>
+          <a:srcRect/>
+          <a:stretch>
+            <a:fillRect/>
+          </a:stretch>
+        </p:blipFill>
+        <p:spPr bwMode="auto">
+          <a:xfrm>
+            <a:off x="4297316" y="3958261"/>
+            <a:ext cx="986327" cy="986327"/>
+          </a:xfrm>
+          <a:prstGeom prst="rect">
+            <a:avLst/>
+          </a:prstGeom>
+          <a:noFill/>
+          <a:extLst>
+            <a:ext uri="{909E8E84-426E-40DD-AFC4-6F175D3DCCD1}">
+              <a14:hiddenFill xmlns:a14="http://schemas.microsoft.com/office/drawing/2010/main">
+                <a:solidFill>
+                  <a:srgbClr val="FFFFFF"/>
+                </a:solidFill>
+              </a14:hiddenFill>
+            </a:ext>
+          </a:extLst>
+        </p:spPr>
+      </p:pic>
+      <p:pic>
+        <p:nvPicPr>
+          <p:cNvPr id="1054" name="Obraz 7" descr="Jason Reitman">
+            <a:extLst>
+              <a:ext uri="{FF2B5EF4-FFF2-40B4-BE49-F238E27FC236}">
+                <a16:creationId xmlns:a16="http://schemas.microsoft.com/office/drawing/2014/main" id="{80771F76-40CD-953E-0359-5939C481CF95}"/>
+              </a:ext>
+            </a:extLst>
+          </p:cNvPr>
+          <p:cNvPicPr>
+            <a:picLocks noChangeAspect="1" noChangeArrowheads="1"/>
+          </p:cNvPicPr>
+          <p:nvPr/>
+        </p:nvPicPr>
+        <p:blipFill>
+          <a:blip r:embed="rId17">
+            <a:extLst>
+              <a:ext uri="{28A0092B-C50C-407E-A947-70E740481C1C}">
+                <a14:useLocalDpi xmlns:a14="http://schemas.microsoft.com/office/drawing/2010/main" val="0"/>
+              </a:ext>
+            </a:extLst>
+          </a:blip>
+          <a:srcRect/>
+          <a:stretch>
+            <a:fillRect/>
+          </a:stretch>
+        </p:blipFill>
+        <p:spPr bwMode="auto">
+          <a:xfrm>
+            <a:off x="4297315" y="5319803"/>
+            <a:ext cx="986327" cy="986327"/>
+          </a:xfrm>
+          <a:prstGeom prst="rect">
+            <a:avLst/>
+          </a:prstGeom>
+          <a:noFill/>
+          <a:extLst>
+            <a:ext uri="{909E8E84-426E-40DD-AFC4-6F175D3DCCD1}">
+              <a14:hiddenFill xmlns:a14="http://schemas.microsoft.com/office/drawing/2010/main">
+                <a:solidFill>
+                  <a:srgbClr val="FFFFFF"/>
+                </a:solidFill>
+              </a14:hiddenFill>
+            </a:ext>
+          </a:extLst>
+        </p:spPr>
+      </p:pic>
+      <p:sp>
+        <p:nvSpPr>
+          <p:cNvPr id="24" name="Rectangle 35">
+            <a:extLst>
+              <a:ext uri="{FF2B5EF4-FFF2-40B4-BE49-F238E27FC236}">
+                <a16:creationId xmlns:a16="http://schemas.microsoft.com/office/drawing/2014/main" id="{FD2C88A1-2D50-D054-4FDF-CA96FA6C53AB}"/>
+              </a:ext>
+            </a:extLst>
+          </p:cNvPr>
+          <p:cNvSpPr>
+            <a:spLocks noChangeArrowheads="1"/>
+          </p:cNvSpPr>
+          <p:nvPr/>
+        </p:nvSpPr>
+        <p:spPr bwMode="auto">
+          <a:xfrm flipH="1">
+            <a:off x="7324145" y="341890"/>
+            <a:ext cx="6979248" cy="4770553"/>
+          </a:xfrm>
+          <a:prstGeom prst="rect">
+            <a:avLst/>
+          </a:prstGeom>
+          <a:noFill/>
+          <a:ln>
+            <a:noFill/>
+          </a:ln>
+          <a:effectLst/>
+          <a:extLst>
+            <a:ext uri="{909E8E84-426E-40DD-AFC4-6F175D3DCCD1}">
+              <a14:hiddenFill xmlns:a14="http://schemas.microsoft.com/office/drawing/2010/main">
+                <a:solidFill>
+                  <a:schemeClr val="accent1"/>
+                </a:solidFill>
+              </a14:hiddenFill>
+            </a:ext>
+            <a:ext uri="{91240B29-F687-4F45-9708-019B960494DF}">
+              <a14:hiddenLine xmlns:a14="http://schemas.microsoft.com/office/drawing/2010/main" w="9525">
+                <a:solidFill>
+                  <a:schemeClr val="tx1"/>
+                </a:solidFill>
+                <a:miter lim="800000"/>
+                <a:headEnd/>
+                <a:tailEnd/>
+              </a14:hiddenLine>
+            </a:ext>
+            <a:ext uri="{AF507438-7753-43E0-B8FC-AC1667EBCBE1}">
+              <a14:hiddenEffects xmlns:a14="http://schemas.microsoft.com/office/drawing/2010/main">
+                <a:effectLst>
+                  <a:outerShdw dist="35921" dir="2700000" algn="ctr" rotWithShape="0">
+                    <a:schemeClr val="bg2"/>
+                  </a:outerShdw>
+                </a:effectLst>
+              </a14:hiddenEffects>
+            </a:ext>
+          </a:extLst>
+        </p:spPr>
+        <p:txBody>
+          <a:bodyPr vert="horz" wrap="square" lIns="91440" tIns="45720" rIns="91440" bIns="45720" numCol="1" anchor="ctr" anchorCtr="0" compatLnSpc="1">
+            <a:prstTxWarp prst="textNoShape">
+              <a:avLst/>
+            </a:prstTxWarp>
+            <a:spAutoFit/>
+          </a:bodyPr>
+          <a:lstStyle/>
+          <a:p>
+            <a:endParaRPr lang="pl-PL"/>
+          </a:p>
+        </p:txBody>
+      </p:sp>
+      <p:sp>
+        <p:nvSpPr>
+          <p:cNvPr id="26" name="Rectangle 37">
+            <a:hlinkClick r:id="rId18"/>
+            <a:extLst>
+              <a:ext uri="{FF2B5EF4-FFF2-40B4-BE49-F238E27FC236}">
+                <a16:creationId xmlns:a16="http://schemas.microsoft.com/office/drawing/2014/main" id="{C932895B-40F5-AA1F-52E2-166034DE34B4}"/>
+              </a:ext>
+            </a:extLst>
+          </p:cNvPr>
+          <p:cNvSpPr>
+            <a:spLocks noChangeArrowheads="1"/>
+          </p:cNvSpPr>
+          <p:nvPr/>
+        </p:nvSpPr>
+        <p:spPr bwMode="auto">
+          <a:xfrm>
+            <a:off x="5442667" y="1322907"/>
+            <a:ext cx="1154025" cy="830997"/>
+          </a:xfrm>
+          <a:prstGeom prst="rect">
+            <a:avLst/>
+          </a:prstGeom>
+          <a:noFill/>
+          <a:ln>
+            <a:noFill/>
+          </a:ln>
+          <a:effectLst/>
+          <a:extLst>
+            <a:ext uri="{909E8E84-426E-40DD-AFC4-6F175D3DCCD1}">
+              <a14:hiddenFill xmlns:a14="http://schemas.microsoft.com/office/drawing/2010/main">
+                <a:solidFill>
+                  <a:schemeClr val="accent1"/>
+                </a:solidFill>
+              </a14:hiddenFill>
+            </a:ext>
+            <a:ext uri="{91240B29-F687-4F45-9708-019B960494DF}">
+              <a14:hiddenLine xmlns:a14="http://schemas.microsoft.com/office/drawing/2010/main" w="9525">
+                <a:solidFill>
+                  <a:schemeClr val="tx1"/>
+                </a:solidFill>
+                <a:miter lim="800000"/>
+                <a:headEnd/>
+                <a:tailEnd/>
+              </a14:hiddenLine>
+            </a:ext>
+            <a:ext uri="{AF507438-7753-43E0-B8FC-AC1667EBCBE1}">
+              <a14:hiddenEffects xmlns:a14="http://schemas.microsoft.com/office/drawing/2010/main">
+                <a:effectLst>
+                  <a:outerShdw dist="35921" dir="2700000" algn="ctr" rotWithShape="0">
+                    <a:schemeClr val="bg2"/>
+                  </a:outerShdw>
+                </a:effectLst>
+              </a14:hiddenEffects>
+            </a:ext>
+          </a:extLst>
+        </p:spPr>
+        <p:txBody>
+          <a:bodyPr vert="horz" wrap="square" lIns="91440" tIns="45720" rIns="91440" bIns="45720" numCol="1" anchor="ctr" anchorCtr="0" compatLnSpc="1">
+            <a:prstTxWarp prst="textNoShape">
+              <a:avLst/>
+            </a:prstTxWarp>
+            <a:spAutoFit/>
+          </a:bodyPr>
+          <a:lstStyle/>
+          <a:p>
+            <a:pPr marL="0" marR="0" lvl="0" indent="0" algn="l" defTabSz="914400" rtl="0" eaLnBrk="0" fontAlgn="base" latinLnBrk="0" hangingPunct="0">
+              <a:lnSpc>
+                <a:spcPct val="100000"/>
+              </a:lnSpc>
+              <a:spcBef>
+                <a:spcPct val="0"/>
+              </a:spcBef>
+              <a:spcAft>
+                <a:spcPct val="0"/>
+              </a:spcAft>
+              <a:buClrTx/>
+              <a:buSzTx/>
+              <a:buFontTx/>
+              <a:buNone/>
+              <a:tabLst/>
+            </a:pPr>
+            <a:r>
+              <a:rPr kumimoji="0" lang="pl-PL" altLang="pl-PL" sz="1000" b="0" i="0" u="sng" strike="noStrike" cap="none" normalizeH="0" baseline="0" dirty="0">
+                <a:ln>
+                  <a:noFill/>
+                </a:ln>
+                <a:solidFill>
+                  <a:srgbClr val="467886"/>
+                </a:solidFill>
+                <a:effectLst/>
+                <a:latin typeface="Aptos" panose="020B0004020202020204" pitchFamily="34" charset="0"/>
+                <a:ea typeface="Times New Roman" panose="02020603050405020304" pitchFamily="18" charset="0"/>
+                <a:cs typeface="Times New Roman" panose="02020603050405020304" pitchFamily="18" charset="0"/>
+                <a:hlinkClick r:id="rId18"/>
+              </a:rPr>
+              <a:t>Quentin Tarantino</a:t>
+            </a:r>
+            <a:endParaRPr kumimoji="0" lang="pl-PL" altLang="pl-PL" sz="800" b="0" i="0" u="none" strike="noStrike" cap="none" normalizeH="0" baseline="0" dirty="0">
+              <a:ln>
+                <a:noFill/>
+              </a:ln>
+              <a:solidFill>
+                <a:schemeClr val="tx1"/>
+              </a:solidFill>
+              <a:effectLst/>
+            </a:endParaRPr>
+          </a:p>
+          <a:p>
+            <a:pPr marL="0" marR="0" lvl="0" indent="0" algn="l" defTabSz="914400" rtl="0" eaLnBrk="0" fontAlgn="base" latinLnBrk="0" hangingPunct="0">
+              <a:lnSpc>
+                <a:spcPct val="100000"/>
+              </a:lnSpc>
+              <a:spcBef>
+                <a:spcPct val="0"/>
+              </a:spcBef>
+              <a:spcAft>
+                <a:spcPct val="0"/>
+              </a:spcAft>
+              <a:buClrTx/>
+              <a:buSzTx/>
+              <a:buFontTx/>
+              <a:buNone/>
+              <a:tabLst/>
+            </a:pPr>
+            <a:r>
+              <a:rPr kumimoji="0" lang="pl-PL" altLang="pl-PL" sz="1000" b="0" i="0" u="none" strike="noStrike" cap="none" normalizeH="0" baseline="0" dirty="0">
+                <a:ln>
+                  <a:noFill/>
+                </a:ln>
+                <a:solidFill>
+                  <a:schemeClr val="tx1"/>
+                </a:solidFill>
+                <a:effectLst/>
+                <a:latin typeface="Aptos" panose="020B0004020202020204" pitchFamily="34" charset="0"/>
+                <a:ea typeface="Times New Roman" panose="02020603050405020304" pitchFamily="18" charset="0"/>
+                <a:cs typeface="Times New Roman" panose="02020603050405020304" pitchFamily="18" charset="0"/>
+                <a:hlinkClick r:id="rId19"/>
+              </a:rPr>
+              <a:t>Bękarty wojny</a:t>
+            </a:r>
+            <a:endParaRPr kumimoji="0" lang="pl-PL" altLang="pl-PL" sz="800" b="0" i="0" u="none" strike="noStrike" cap="none" normalizeH="0" baseline="0" dirty="0">
+              <a:ln>
+                <a:noFill/>
+              </a:ln>
+              <a:solidFill>
+                <a:schemeClr val="tx1"/>
+              </a:solidFill>
+              <a:effectLst/>
+            </a:endParaRPr>
+          </a:p>
+          <a:p>
+            <a:pPr marL="0" marR="0" lvl="0" indent="0" algn="l" defTabSz="914400" rtl="0" eaLnBrk="0" fontAlgn="base" latinLnBrk="0" hangingPunct="0">
+              <a:lnSpc>
+                <a:spcPct val="100000"/>
+              </a:lnSpc>
+              <a:spcBef>
+                <a:spcPct val="0"/>
+              </a:spcBef>
+              <a:spcAft>
+                <a:spcPct val="0"/>
+              </a:spcAft>
+              <a:buClrTx/>
+              <a:buSzTx/>
+              <a:buFontTx/>
+              <a:buNone/>
+              <a:tabLst/>
+            </a:pPr>
+            <a:endParaRPr kumimoji="0" lang="pl-PL" altLang="pl-PL" sz="1800" b="0" i="0" u="none" strike="noStrike" cap="none" normalizeH="0" baseline="0" dirty="0">
+              <a:ln>
+                <a:noFill/>
+              </a:ln>
+              <a:solidFill>
+                <a:schemeClr val="tx1"/>
+              </a:solidFill>
+              <a:effectLst/>
+              <a:latin typeface="Arial" panose="020B0604020202020204" pitchFamily="34" charset="0"/>
+            </a:endParaRPr>
+          </a:p>
+        </p:txBody>
+      </p:sp>
+      <p:sp>
+        <p:nvSpPr>
+          <p:cNvPr id="27" name="Rectangle 38">
+            <a:hlinkClick r:id="rId20"/>
+            <a:extLst>
+              <a:ext uri="{FF2B5EF4-FFF2-40B4-BE49-F238E27FC236}">
+                <a16:creationId xmlns:a16="http://schemas.microsoft.com/office/drawing/2014/main" id="{1F2E0EE8-EF56-3462-1F6E-F72AC1A25C43}"/>
+              </a:ext>
+            </a:extLst>
+          </p:cNvPr>
+          <p:cNvSpPr>
+            <a:spLocks noChangeArrowheads="1"/>
+          </p:cNvSpPr>
+          <p:nvPr/>
+        </p:nvSpPr>
+        <p:spPr bwMode="auto">
+          <a:xfrm>
+            <a:off x="5383894" y="2609183"/>
+            <a:ext cx="1154025" cy="677108"/>
+          </a:xfrm>
+          <a:prstGeom prst="rect">
+            <a:avLst/>
+          </a:prstGeom>
+          <a:noFill/>
+          <a:ln>
+            <a:noFill/>
+          </a:ln>
+          <a:effectLst/>
+          <a:extLst>
+            <a:ext uri="{909E8E84-426E-40DD-AFC4-6F175D3DCCD1}">
+              <a14:hiddenFill xmlns:a14="http://schemas.microsoft.com/office/drawing/2010/main">
+                <a:solidFill>
+                  <a:schemeClr val="accent1"/>
+                </a:solidFill>
+              </a14:hiddenFill>
+            </a:ext>
+            <a:ext uri="{91240B29-F687-4F45-9708-019B960494DF}">
+              <a14:hiddenLine xmlns:a14="http://schemas.microsoft.com/office/drawing/2010/main" w="9525">
+                <a:solidFill>
+                  <a:schemeClr val="tx1"/>
+                </a:solidFill>
+                <a:miter lim="800000"/>
+                <a:headEnd/>
+                <a:tailEnd/>
+              </a14:hiddenLine>
+            </a:ext>
+            <a:ext uri="{AF507438-7753-43E0-B8FC-AC1667EBCBE1}">
+              <a14:hiddenEffects xmlns:a14="http://schemas.microsoft.com/office/drawing/2010/main">
+                <a:effectLst>
+                  <a:outerShdw dist="35921" dir="2700000" algn="ctr" rotWithShape="0">
+                    <a:schemeClr val="bg2"/>
+                  </a:outerShdw>
+                </a:effectLst>
+              </a14:hiddenEffects>
+            </a:ext>
+          </a:extLst>
+        </p:spPr>
+        <p:txBody>
+          <a:bodyPr vert="horz" wrap="square" lIns="91440" tIns="45720" rIns="91440" bIns="45720" numCol="1" anchor="ctr" anchorCtr="0" compatLnSpc="1">
+            <a:prstTxWarp prst="textNoShape">
+              <a:avLst/>
+            </a:prstTxWarp>
+            <a:spAutoFit/>
+          </a:bodyPr>
+          <a:lstStyle/>
+          <a:p>
+            <a:pPr marL="0" marR="0" lvl="0" indent="0" algn="l" defTabSz="914400" rtl="0" eaLnBrk="0" fontAlgn="base" latinLnBrk="0" hangingPunct="0">
+              <a:lnSpc>
+                <a:spcPct val="100000"/>
+              </a:lnSpc>
+              <a:spcBef>
+                <a:spcPct val="0"/>
+              </a:spcBef>
+              <a:spcAft>
+                <a:spcPct val="0"/>
+              </a:spcAft>
+              <a:buClrTx/>
+              <a:buSzTx/>
+              <a:buFontTx/>
+              <a:buNone/>
+              <a:tabLst/>
+            </a:pPr>
+            <a:r>
+              <a:rPr kumimoji="0" lang="pl-PL" altLang="pl-PL" sz="1000" b="0" i="0" u="sng" strike="noStrike" cap="none" normalizeH="0" baseline="0">
+                <a:ln>
+                  <a:noFill/>
+                </a:ln>
+                <a:solidFill>
+                  <a:srgbClr val="467886"/>
+                </a:solidFill>
+                <a:effectLst/>
+                <a:latin typeface="Aptos" panose="020B0004020202020204" pitchFamily="34" charset="0"/>
+                <a:ea typeface="Times New Roman" panose="02020603050405020304" pitchFamily="18" charset="0"/>
+                <a:cs typeface="Times New Roman" panose="02020603050405020304" pitchFamily="18" charset="0"/>
+                <a:hlinkClick r:id="rId20"/>
+              </a:rPr>
+              <a:t>James Cameron</a:t>
+            </a:r>
+            <a:endParaRPr kumimoji="0" lang="pl-PL" altLang="pl-PL" sz="800" b="0" i="0" u="none" strike="noStrike" cap="none" normalizeH="0" baseline="0">
+              <a:ln>
+                <a:noFill/>
+              </a:ln>
+              <a:solidFill>
+                <a:schemeClr val="tx1"/>
+              </a:solidFill>
+              <a:effectLst/>
+            </a:endParaRPr>
+          </a:p>
+          <a:p>
+            <a:pPr marL="0" marR="0" lvl="0" indent="0" algn="l" defTabSz="914400" rtl="0" eaLnBrk="0" fontAlgn="base" latinLnBrk="0" hangingPunct="0">
+              <a:lnSpc>
+                <a:spcPct val="100000"/>
+              </a:lnSpc>
+              <a:spcBef>
+                <a:spcPct val="0"/>
+              </a:spcBef>
+              <a:spcAft>
+                <a:spcPct val="0"/>
+              </a:spcAft>
+              <a:buClrTx/>
+              <a:buSzTx/>
+              <a:buFontTx/>
+              <a:buNone/>
+              <a:tabLst/>
+            </a:pPr>
+            <a:r>
+              <a:rPr kumimoji="0" lang="pl-PL" altLang="pl-PL" sz="1000" b="0" i="0" u="none" strike="noStrike" cap="none" normalizeH="0" baseline="0">
+                <a:ln>
+                  <a:noFill/>
+                </a:ln>
+                <a:solidFill>
+                  <a:schemeClr val="tx1"/>
+                </a:solidFill>
+                <a:effectLst/>
+                <a:latin typeface="Aptos" panose="020B0004020202020204" pitchFamily="34" charset="0"/>
+                <a:ea typeface="Times New Roman" panose="02020603050405020304" pitchFamily="18" charset="0"/>
+                <a:cs typeface="Times New Roman" panose="02020603050405020304" pitchFamily="18" charset="0"/>
+                <a:hlinkClick r:id="rId21"/>
+              </a:rPr>
+              <a:t>Avatar</a:t>
+            </a:r>
+            <a:endParaRPr kumimoji="0" lang="pl-PL" altLang="pl-PL" sz="800" b="0" i="0" u="none" strike="noStrike" cap="none" normalizeH="0" baseline="0">
+              <a:ln>
+                <a:noFill/>
+              </a:ln>
+              <a:solidFill>
+                <a:schemeClr val="tx1"/>
+              </a:solidFill>
+              <a:effectLst/>
+            </a:endParaRPr>
+          </a:p>
+          <a:p>
+            <a:pPr marL="0" marR="0" lvl="0" indent="0" algn="l" defTabSz="914400" rtl="0" eaLnBrk="0" fontAlgn="base" latinLnBrk="0" hangingPunct="0">
+              <a:lnSpc>
+                <a:spcPct val="100000"/>
+              </a:lnSpc>
+              <a:spcBef>
+                <a:spcPct val="0"/>
+              </a:spcBef>
+              <a:spcAft>
+                <a:spcPct val="0"/>
+              </a:spcAft>
+              <a:buClrTx/>
+              <a:buSzTx/>
+              <a:buFontTx/>
+              <a:buNone/>
+              <a:tabLst/>
+            </a:pPr>
+            <a:endParaRPr kumimoji="0" lang="pl-PL" altLang="pl-PL" sz="1800" b="0" i="0" u="none" strike="noStrike" cap="none" normalizeH="0" baseline="0">
+              <a:ln>
+                <a:noFill/>
+              </a:ln>
+              <a:solidFill>
+                <a:schemeClr val="tx1"/>
+              </a:solidFill>
+              <a:effectLst/>
+              <a:latin typeface="Arial" panose="020B0604020202020204" pitchFamily="34" charset="0"/>
+            </a:endParaRPr>
+          </a:p>
+        </p:txBody>
+      </p:sp>
+      <p:sp>
+        <p:nvSpPr>
+          <p:cNvPr id="28" name="Rectangle 39">
+            <a:hlinkClick r:id="rId22"/>
+            <a:extLst>
+              <a:ext uri="{FF2B5EF4-FFF2-40B4-BE49-F238E27FC236}">
+                <a16:creationId xmlns:a16="http://schemas.microsoft.com/office/drawing/2014/main" id="{80DEE54C-BCE0-E0EC-4952-E356BFAA8725}"/>
+              </a:ext>
+            </a:extLst>
+          </p:cNvPr>
+          <p:cNvSpPr>
+            <a:spLocks noChangeArrowheads="1"/>
+          </p:cNvSpPr>
+          <p:nvPr/>
+        </p:nvSpPr>
+        <p:spPr bwMode="auto">
+          <a:xfrm>
+            <a:off x="5425107" y="4112870"/>
+            <a:ext cx="1154025" cy="677108"/>
+          </a:xfrm>
+          <a:prstGeom prst="rect">
+            <a:avLst/>
+          </a:prstGeom>
+          <a:noFill/>
+          <a:ln>
+            <a:noFill/>
+          </a:ln>
+          <a:effectLst/>
+          <a:extLst>
+            <a:ext uri="{909E8E84-426E-40DD-AFC4-6F175D3DCCD1}">
+              <a14:hiddenFill xmlns:a14="http://schemas.microsoft.com/office/drawing/2010/main">
+                <a:solidFill>
+                  <a:schemeClr val="accent1"/>
+                </a:solidFill>
+              </a14:hiddenFill>
+            </a:ext>
+            <a:ext uri="{91240B29-F687-4F45-9708-019B960494DF}">
+              <a14:hiddenLine xmlns:a14="http://schemas.microsoft.com/office/drawing/2010/main" w="9525">
+                <a:solidFill>
+                  <a:schemeClr val="tx1"/>
+                </a:solidFill>
+                <a:miter lim="800000"/>
+                <a:headEnd/>
+                <a:tailEnd/>
+              </a14:hiddenLine>
+            </a:ext>
+            <a:ext uri="{AF507438-7753-43E0-B8FC-AC1667EBCBE1}">
+              <a14:hiddenEffects xmlns:a14="http://schemas.microsoft.com/office/drawing/2010/main">
+                <a:effectLst>
+                  <a:outerShdw dist="35921" dir="2700000" algn="ctr" rotWithShape="0">
+                    <a:schemeClr val="bg2"/>
+                  </a:outerShdw>
+                </a:effectLst>
+              </a14:hiddenEffects>
+            </a:ext>
+          </a:extLst>
+        </p:spPr>
+        <p:txBody>
+          <a:bodyPr vert="horz" wrap="square" lIns="91440" tIns="45720" rIns="91440" bIns="45720" numCol="1" anchor="ctr" anchorCtr="0" compatLnSpc="1">
+            <a:prstTxWarp prst="textNoShape">
+              <a:avLst/>
+            </a:prstTxWarp>
+            <a:spAutoFit/>
+          </a:bodyPr>
+          <a:lstStyle/>
+          <a:p>
+            <a:pPr marL="0" marR="0" lvl="0" indent="0" algn="l" defTabSz="914400" rtl="0" eaLnBrk="0" fontAlgn="base" latinLnBrk="0" hangingPunct="0">
+              <a:lnSpc>
+                <a:spcPct val="100000"/>
+              </a:lnSpc>
+              <a:spcBef>
+                <a:spcPct val="0"/>
+              </a:spcBef>
+              <a:spcAft>
+                <a:spcPct val="0"/>
+              </a:spcAft>
+              <a:buClrTx/>
+              <a:buSzTx/>
+              <a:buFontTx/>
+              <a:buNone/>
+              <a:tabLst/>
+            </a:pPr>
+            <a:r>
+              <a:rPr kumimoji="0" lang="pl-PL" altLang="pl-PL" sz="1000" b="0" i="0" u="sng" strike="noStrike" cap="none" normalizeH="0" baseline="0">
+                <a:ln>
+                  <a:noFill/>
+                </a:ln>
+                <a:solidFill>
+                  <a:srgbClr val="467886"/>
+                </a:solidFill>
+                <a:effectLst/>
+                <a:latin typeface="Aptos" panose="020B0004020202020204" pitchFamily="34" charset="0"/>
+                <a:ea typeface="Times New Roman" panose="02020603050405020304" pitchFamily="18" charset="0"/>
+                <a:cs typeface="Times New Roman" panose="02020603050405020304" pitchFamily="18" charset="0"/>
+                <a:hlinkClick r:id="rId22"/>
+              </a:rPr>
+              <a:t>Lee Daniels</a:t>
+            </a:r>
+            <a:endParaRPr kumimoji="0" lang="pl-PL" altLang="pl-PL" sz="800" b="0" i="0" u="none" strike="noStrike" cap="none" normalizeH="0" baseline="0">
+              <a:ln>
+                <a:noFill/>
+              </a:ln>
+              <a:solidFill>
+                <a:schemeClr val="tx1"/>
+              </a:solidFill>
+              <a:effectLst/>
+            </a:endParaRPr>
+          </a:p>
+          <a:p>
+            <a:pPr marL="0" marR="0" lvl="0" indent="0" algn="l" defTabSz="914400" rtl="0" eaLnBrk="0" fontAlgn="base" latinLnBrk="0" hangingPunct="0">
+              <a:lnSpc>
+                <a:spcPct val="100000"/>
+              </a:lnSpc>
+              <a:spcBef>
+                <a:spcPct val="0"/>
+              </a:spcBef>
+              <a:spcAft>
+                <a:spcPct val="0"/>
+              </a:spcAft>
+              <a:buClrTx/>
+              <a:buSzTx/>
+              <a:buFontTx/>
+              <a:buNone/>
+              <a:tabLst/>
+            </a:pPr>
+            <a:r>
+              <a:rPr kumimoji="0" lang="pl-PL" altLang="pl-PL" sz="1000" b="0" i="0" u="none" strike="noStrike" cap="none" normalizeH="0" baseline="0">
+                <a:ln>
+                  <a:noFill/>
+                </a:ln>
+                <a:solidFill>
+                  <a:schemeClr val="tx1"/>
+                </a:solidFill>
+                <a:effectLst/>
+                <a:latin typeface="Aptos" panose="020B0004020202020204" pitchFamily="34" charset="0"/>
+                <a:ea typeface="Times New Roman" panose="02020603050405020304" pitchFamily="18" charset="0"/>
+                <a:cs typeface="Times New Roman" panose="02020603050405020304" pitchFamily="18" charset="0"/>
+                <a:hlinkClick r:id="rId23"/>
+              </a:rPr>
+              <a:t>Hej, Skarbie</a:t>
+            </a:r>
+            <a:endParaRPr kumimoji="0" lang="pl-PL" altLang="pl-PL" sz="800" b="0" i="0" u="none" strike="noStrike" cap="none" normalizeH="0" baseline="0">
+              <a:ln>
+                <a:noFill/>
+              </a:ln>
+              <a:solidFill>
+                <a:schemeClr val="tx1"/>
+              </a:solidFill>
+              <a:effectLst/>
+            </a:endParaRPr>
+          </a:p>
+          <a:p>
+            <a:pPr marL="0" marR="0" lvl="0" indent="0" algn="l" defTabSz="914400" rtl="0" eaLnBrk="0" fontAlgn="base" latinLnBrk="0" hangingPunct="0">
+              <a:lnSpc>
+                <a:spcPct val="100000"/>
+              </a:lnSpc>
+              <a:spcBef>
+                <a:spcPct val="0"/>
+              </a:spcBef>
+              <a:spcAft>
+                <a:spcPct val="0"/>
+              </a:spcAft>
+              <a:buClrTx/>
+              <a:buSzTx/>
+              <a:buFontTx/>
+              <a:buNone/>
+              <a:tabLst/>
+            </a:pPr>
+            <a:endParaRPr kumimoji="0" lang="pl-PL" altLang="pl-PL" sz="1800" b="0" i="0" u="none" strike="noStrike" cap="none" normalizeH="0" baseline="0">
+              <a:ln>
+                <a:noFill/>
+              </a:ln>
+              <a:solidFill>
+                <a:schemeClr val="tx1"/>
+              </a:solidFill>
+              <a:effectLst/>
+              <a:latin typeface="Arial" panose="020B0604020202020204" pitchFamily="34" charset="0"/>
+            </a:endParaRPr>
+          </a:p>
+        </p:txBody>
+      </p:sp>
+      <p:sp>
+        <p:nvSpPr>
+          <p:cNvPr id="29" name="Rectangle 40">
+            <a:hlinkClick r:id="rId24"/>
+            <a:extLst>
+              <a:ext uri="{FF2B5EF4-FFF2-40B4-BE49-F238E27FC236}">
+                <a16:creationId xmlns:a16="http://schemas.microsoft.com/office/drawing/2014/main" id="{9A223724-1709-A02D-7C23-677235685E11}"/>
+              </a:ext>
+            </a:extLst>
+          </p:cNvPr>
+          <p:cNvSpPr>
+            <a:spLocks noChangeArrowheads="1"/>
+          </p:cNvSpPr>
+          <p:nvPr/>
+        </p:nvSpPr>
+        <p:spPr bwMode="auto">
+          <a:xfrm>
+            <a:off x="5283641" y="5412856"/>
+            <a:ext cx="1154025" cy="400110"/>
+          </a:xfrm>
+          <a:prstGeom prst="rect">
+            <a:avLst/>
+          </a:prstGeom>
+          <a:noFill/>
+          <a:ln>
+            <a:noFill/>
+          </a:ln>
+          <a:effectLst/>
+          <a:extLst>
+            <a:ext uri="{909E8E84-426E-40DD-AFC4-6F175D3DCCD1}">
+              <a14:hiddenFill xmlns:a14="http://schemas.microsoft.com/office/drawing/2010/main">
+                <a:solidFill>
+                  <a:schemeClr val="accent1"/>
+                </a:solidFill>
+              </a14:hiddenFill>
+            </a:ext>
+            <a:ext uri="{91240B29-F687-4F45-9708-019B960494DF}">
+              <a14:hiddenLine xmlns:a14="http://schemas.microsoft.com/office/drawing/2010/main" w="9525">
+                <a:solidFill>
+                  <a:schemeClr val="tx1"/>
+                </a:solidFill>
+                <a:miter lim="800000"/>
+                <a:headEnd/>
+                <a:tailEnd/>
+              </a14:hiddenLine>
+            </a:ext>
+            <a:ext uri="{AF507438-7753-43E0-B8FC-AC1667EBCBE1}">
+              <a14:hiddenEffects xmlns:a14="http://schemas.microsoft.com/office/drawing/2010/main">
+                <a:effectLst>
+                  <a:outerShdw dist="35921" dir="2700000" algn="ctr" rotWithShape="0">
+                    <a:schemeClr val="bg2"/>
+                  </a:outerShdw>
+                </a:effectLst>
+              </a14:hiddenEffects>
+            </a:ext>
+          </a:extLst>
+        </p:spPr>
+        <p:txBody>
+          <a:bodyPr vert="horz" wrap="square" lIns="91440" tIns="45720" rIns="91440" bIns="45720" numCol="1" anchor="ctr" anchorCtr="0" compatLnSpc="1">
+            <a:prstTxWarp prst="textNoShape">
+              <a:avLst/>
+            </a:prstTxWarp>
+            <a:spAutoFit/>
+          </a:bodyPr>
+          <a:lstStyle/>
+          <a:p>
+            <a:pPr marL="0" marR="0" lvl="0" indent="0" algn="ctr" defTabSz="914400" rtl="0" eaLnBrk="0" fontAlgn="base" latinLnBrk="0" hangingPunct="0">
+              <a:lnSpc>
+                <a:spcPct val="100000"/>
+              </a:lnSpc>
+              <a:spcBef>
+                <a:spcPct val="0"/>
+              </a:spcBef>
+              <a:spcAft>
+                <a:spcPct val="0"/>
+              </a:spcAft>
+              <a:buClrTx/>
+              <a:buSzTx/>
+              <a:buFontTx/>
+              <a:buNone/>
+              <a:tabLst/>
+            </a:pPr>
+            <a:r>
+              <a:rPr kumimoji="0" lang="pl-PL" altLang="pl-PL" sz="1000" b="0" i="0" u="sng" strike="noStrike" cap="none" normalizeH="0" baseline="0" dirty="0">
+                <a:ln>
+                  <a:noFill/>
+                </a:ln>
+                <a:solidFill>
+                  <a:srgbClr val="467886"/>
+                </a:solidFill>
+                <a:effectLst/>
+                <a:latin typeface="Aptos" panose="020B0004020202020204" pitchFamily="34" charset="0"/>
+                <a:ea typeface="Times New Roman" panose="02020603050405020304" pitchFamily="18" charset="0"/>
+                <a:cs typeface="Times New Roman" panose="02020603050405020304" pitchFamily="18" charset="0"/>
+                <a:hlinkClick r:id="rId24"/>
+              </a:rPr>
+              <a:t>Jason </a:t>
+            </a:r>
+            <a:r>
+              <a:rPr kumimoji="0" lang="pl-PL" altLang="pl-PL" sz="1000" b="0" i="0" u="sng" strike="noStrike" cap="none" normalizeH="0" baseline="0" dirty="0" err="1">
+                <a:ln>
+                  <a:noFill/>
+                </a:ln>
+                <a:solidFill>
+                  <a:srgbClr val="467886"/>
+                </a:solidFill>
+                <a:effectLst/>
+                <a:latin typeface="Aptos" panose="020B0004020202020204" pitchFamily="34" charset="0"/>
+                <a:ea typeface="Times New Roman" panose="02020603050405020304" pitchFamily="18" charset="0"/>
+                <a:cs typeface="Times New Roman" panose="02020603050405020304" pitchFamily="18" charset="0"/>
+                <a:hlinkClick r:id="rId24"/>
+              </a:rPr>
+              <a:t>Reitman</a:t>
+            </a:r>
+            <a:endParaRPr kumimoji="0" lang="pl-PL" altLang="pl-PL" sz="800" b="0" i="0" u="none" strike="noStrike" cap="none" normalizeH="0" baseline="0" dirty="0">
+              <a:ln>
+                <a:noFill/>
+              </a:ln>
+              <a:solidFill>
+                <a:schemeClr val="tx1"/>
+              </a:solidFill>
+              <a:effectLst/>
+            </a:endParaRPr>
+          </a:p>
+          <a:p>
+            <a:pPr marL="0" marR="0" lvl="0" indent="0" algn="ctr" defTabSz="914400" rtl="0" eaLnBrk="0" fontAlgn="base" latinLnBrk="0" hangingPunct="0">
+              <a:lnSpc>
+                <a:spcPct val="100000"/>
+              </a:lnSpc>
+              <a:spcBef>
+                <a:spcPct val="0"/>
+              </a:spcBef>
+              <a:spcAft>
+                <a:spcPct val="0"/>
+              </a:spcAft>
+              <a:buClrTx/>
+              <a:buSzTx/>
+              <a:buFontTx/>
+              <a:buNone/>
+              <a:tabLst/>
+            </a:pPr>
+            <a:r>
+              <a:rPr kumimoji="0" lang="pl-PL" altLang="pl-PL" sz="1000" b="0" i="0" u="none" strike="noStrike" cap="none" normalizeH="0" baseline="0" dirty="0">
+                <a:ln>
+                  <a:noFill/>
+                </a:ln>
+                <a:solidFill>
+                  <a:schemeClr val="tx1"/>
+                </a:solidFill>
+                <a:effectLst/>
+                <a:latin typeface="Aptos" panose="020B0004020202020204" pitchFamily="34" charset="0"/>
+                <a:ea typeface="Times New Roman" panose="02020603050405020304" pitchFamily="18" charset="0"/>
+                <a:cs typeface="Times New Roman" panose="02020603050405020304" pitchFamily="18" charset="0"/>
+                <a:hlinkClick r:id="rId13"/>
+              </a:rPr>
+              <a:t>W chmurach</a:t>
+            </a:r>
+            <a:endParaRPr kumimoji="0" lang="pl-PL" altLang="pl-PL" sz="1800" b="0" i="0" u="none" strike="noStrike" cap="none" normalizeH="0" baseline="0" dirty="0">
+              <a:ln>
+                <a:noFill/>
+              </a:ln>
+              <a:solidFill>
+                <a:schemeClr val="tx1"/>
+              </a:solidFill>
+              <a:effectLst/>
+              <a:latin typeface="Arial" panose="020B0604020202020204" pitchFamily="34" charset="0"/>
+            </a:endParaRPr>
+          </a:p>
+        </p:txBody>
+      </p:sp>
+      <p:sp>
+        <p:nvSpPr>
+          <p:cNvPr id="30" name="Rectangle 42">
+            <a:extLst>
+              <a:ext uri="{FF2B5EF4-FFF2-40B4-BE49-F238E27FC236}">
+                <a16:creationId xmlns:a16="http://schemas.microsoft.com/office/drawing/2014/main" id="{240B10CD-502F-CCAF-740D-054D1515D036}"/>
+              </a:ext>
+            </a:extLst>
+          </p:cNvPr>
+          <p:cNvSpPr>
+            <a:spLocks noChangeArrowheads="1"/>
+          </p:cNvSpPr>
+          <p:nvPr/>
+        </p:nvSpPr>
+        <p:spPr bwMode="auto">
+          <a:xfrm>
+            <a:off x="9756647" y="1113113"/>
+            <a:ext cx="1736373" cy="646331"/>
+          </a:xfrm>
+          <a:prstGeom prst="rect">
+            <a:avLst/>
+          </a:prstGeom>
+          <a:noFill/>
+          <a:ln>
+            <a:noFill/>
+          </a:ln>
+          <a:effectLst/>
+          <a:extLst>
+            <a:ext uri="{909E8E84-426E-40DD-AFC4-6F175D3DCCD1}">
+              <a14:hiddenFill xmlns:a14="http://schemas.microsoft.com/office/drawing/2010/main">
+                <a:solidFill>
+                  <a:schemeClr val="accent1"/>
+                </a:solidFill>
+              </a14:hiddenFill>
+            </a:ext>
+            <a:ext uri="{91240B29-F687-4F45-9708-019B960494DF}">
+              <a14:hiddenLine xmlns:a14="http://schemas.microsoft.com/office/drawing/2010/main" w="9525">
+                <a:solidFill>
+                  <a:schemeClr val="tx1"/>
+                </a:solidFill>
+                <a:miter lim="800000"/>
+                <a:headEnd/>
+                <a:tailEnd/>
+              </a14:hiddenLine>
+            </a:ext>
+            <a:ext uri="{AF507438-7753-43E0-B8FC-AC1667EBCBE1}">
+              <a14:hiddenEffects xmlns:a14="http://schemas.microsoft.com/office/drawing/2010/main">
+                <a:effectLst>
+                  <a:outerShdw dist="35921" dir="2700000" algn="ctr" rotWithShape="0">
+                    <a:schemeClr val="bg2"/>
+                  </a:outerShdw>
+                </a:effectLst>
+              </a14:hiddenEffects>
+            </a:ext>
+          </a:extLst>
+        </p:spPr>
+        <p:txBody>
+          <a:bodyPr vert="horz" wrap="none" lIns="91440" tIns="45720" rIns="91440" bIns="45720" numCol="1" anchor="ctr" anchorCtr="0" compatLnSpc="1">
+            <a:prstTxWarp prst="textNoShape">
+              <a:avLst/>
+            </a:prstTxWarp>
+            <a:spAutoFit/>
+          </a:bodyPr>
+          <a:lstStyle/>
+          <a:p>
+            <a:pPr marL="0" marR="0" lvl="0" indent="0" algn="l" defTabSz="914400" rtl="0" eaLnBrk="0" fontAlgn="base" latinLnBrk="0" hangingPunct="0">
+              <a:lnSpc>
+                <a:spcPct val="100000"/>
+              </a:lnSpc>
+              <a:spcBef>
+                <a:spcPct val="0"/>
+              </a:spcBef>
+              <a:spcAft>
+                <a:spcPct val="0"/>
+              </a:spcAft>
+              <a:buClrTx/>
+              <a:buSzTx/>
+              <a:buFontTx/>
+              <a:buNone/>
+              <a:tabLst/>
+            </a:pPr>
+            <a:endParaRPr kumimoji="0" lang="pl-PL" altLang="pl-PL" sz="800" b="0" i="0" u="none" strike="noStrike" cap="none" normalizeH="0" baseline="0" dirty="0">
+              <a:ln>
+                <a:noFill/>
+              </a:ln>
+              <a:solidFill>
+                <a:schemeClr val="tx1"/>
+              </a:solidFill>
+              <a:effectLst/>
+            </a:endParaRPr>
+          </a:p>
+          <a:p>
+            <a:pPr marL="0" marR="0" lvl="0" indent="0" algn="l" defTabSz="914400" rtl="0" eaLnBrk="0" fontAlgn="base" latinLnBrk="0" hangingPunct="0">
+              <a:lnSpc>
+                <a:spcPct val="100000"/>
+              </a:lnSpc>
+              <a:spcBef>
+                <a:spcPct val="0"/>
+              </a:spcBef>
+              <a:spcAft>
+                <a:spcPct val="0"/>
+              </a:spcAft>
+              <a:buClrTx/>
+              <a:buSzTx/>
+              <a:buFontTx/>
+              <a:buNone/>
+              <a:tabLst/>
+            </a:pPr>
+            <a:r>
+              <a:rPr kumimoji="0" lang="pl-PL" altLang="pl-PL" sz="1000" b="1" i="0" u="sng" strike="noStrike" cap="none" normalizeH="0" baseline="0" dirty="0">
+                <a:ln>
+                  <a:noFill/>
+                </a:ln>
+                <a:solidFill>
+                  <a:srgbClr val="467886"/>
+                </a:solidFill>
+                <a:effectLst/>
+                <a:latin typeface="Aptos" panose="020B0004020202020204" pitchFamily="34" charset="0"/>
+                <a:ea typeface="Times New Roman" panose="02020603050405020304" pitchFamily="18" charset="0"/>
+                <a:cs typeface="Times New Roman" panose="02020603050405020304" pitchFamily="18" charset="0"/>
+                <a:hlinkClick r:id="rId25"/>
+              </a:rPr>
+              <a:t>Wielki Mike. The Blind </a:t>
+            </a:r>
+            <a:r>
+              <a:rPr kumimoji="0" lang="pl-PL" altLang="pl-PL" sz="1000" b="1" i="0" u="sng" strike="noStrike" cap="none" normalizeH="0" baseline="0" dirty="0" err="1">
+                <a:ln>
+                  <a:noFill/>
+                </a:ln>
+                <a:solidFill>
+                  <a:srgbClr val="467886"/>
+                </a:solidFill>
+                <a:effectLst/>
+                <a:latin typeface="Aptos" panose="020B0004020202020204" pitchFamily="34" charset="0"/>
+                <a:ea typeface="Times New Roman" panose="02020603050405020304" pitchFamily="18" charset="0"/>
+                <a:cs typeface="Times New Roman" panose="02020603050405020304" pitchFamily="18" charset="0"/>
+                <a:hlinkClick r:id="rId25"/>
+              </a:rPr>
+              <a:t>Side</a:t>
+            </a:r>
+            <a:endParaRPr kumimoji="0" lang="pl-PL" altLang="pl-PL" sz="800" b="0" i="0" u="none" strike="noStrike" cap="none" normalizeH="0" baseline="0" dirty="0">
+              <a:ln>
+                <a:noFill/>
+              </a:ln>
+              <a:solidFill>
+                <a:schemeClr val="tx1"/>
+              </a:solidFill>
+              <a:effectLst/>
+            </a:endParaRPr>
+          </a:p>
+          <a:p>
+            <a:pPr marL="0" marR="0" lvl="0" indent="0" algn="l" defTabSz="914400" rtl="0" eaLnBrk="0" fontAlgn="base" latinLnBrk="0" hangingPunct="0">
+              <a:lnSpc>
+                <a:spcPct val="100000"/>
+              </a:lnSpc>
+              <a:spcBef>
+                <a:spcPct val="0"/>
+              </a:spcBef>
+              <a:spcAft>
+                <a:spcPct val="0"/>
+              </a:spcAft>
+              <a:buClrTx/>
+              <a:buSzTx/>
+              <a:buFontTx/>
+              <a:buNone/>
+              <a:tabLst/>
+            </a:pPr>
+            <a:endParaRPr kumimoji="0" lang="pl-PL" altLang="pl-PL" sz="1800" b="0" i="0" u="none" strike="noStrike" cap="none" normalizeH="0" baseline="0" dirty="0">
+              <a:ln>
+                <a:noFill/>
+              </a:ln>
+              <a:solidFill>
+                <a:schemeClr val="tx1"/>
+              </a:solidFill>
+              <a:effectLst/>
+              <a:latin typeface="Arial" panose="020B0604020202020204" pitchFamily="34" charset="0"/>
+            </a:endParaRPr>
+          </a:p>
+        </p:txBody>
+      </p:sp>
+      <p:sp>
+        <p:nvSpPr>
+          <p:cNvPr id="31" name="Prostokąt 30" descr="plakat filmuPoważny człowiek">
+            <a:extLst>
+              <a:ext uri="{FF2B5EF4-FFF2-40B4-BE49-F238E27FC236}">
+                <a16:creationId xmlns:a16="http://schemas.microsoft.com/office/drawing/2014/main" id="{109F9E62-1C4F-7EC4-F2CF-08CE72CAC6AB}"/>
+              </a:ext>
+            </a:extLst>
+          </p:cNvPr>
+          <p:cNvSpPr>
+            <a:spLocks noChangeAspect="1" noChangeArrowheads="1"/>
+          </p:cNvSpPr>
+          <p:nvPr/>
+        </p:nvSpPr>
+        <p:spPr bwMode="auto">
+          <a:xfrm>
+            <a:off x="7341704" y="2090323"/>
+            <a:ext cx="304800" cy="304800"/>
+          </a:xfrm>
+          <a:prstGeom prst="rect">
+            <a:avLst/>
+          </a:prstGeom>
+          <a:noFill/>
+          <a:ln>
+            <a:noFill/>
+          </a:ln>
+          <a:extLst>
+            <a:ext uri="{909E8E84-426E-40DD-AFC4-6F175D3DCCD1}">
+              <a14:hiddenFill xmlns:a14="http://schemas.microsoft.com/office/drawing/2010/main">
+                <a:solidFill>
+                  <a:srgbClr val="FFFFFF"/>
+                </a:solidFill>
+              </a14:hiddenFill>
+            </a:ext>
+            <a:ext uri="{91240B29-F687-4F45-9708-019B960494DF}">
+              <a14:hiddenLine xmlns:a14="http://schemas.microsoft.com/office/drawing/2010/main" w="9525">
+                <a:solidFill>
+                  <a:srgbClr val="000000"/>
+                </a:solidFill>
+                <a:miter lim="800000"/>
+                <a:headEnd/>
+                <a:tailEnd/>
+              </a14:hiddenLine>
+            </a:ext>
+          </a:extLst>
+        </p:spPr>
+        <p:txBody>
+          <a:bodyPr rot="0" vert="horz" wrap="square" lIns="91440" tIns="45720" rIns="91440" bIns="45720" anchor="t" anchorCtr="0" upright="1">
+            <a:noAutofit/>
+          </a:bodyPr>
+          <a:lstStyle/>
+          <a:p>
+            <a:endParaRPr lang="pl-PL"/>
+          </a:p>
+        </p:txBody>
+      </p:sp>
+      <p:sp>
+        <p:nvSpPr>
+          <p:cNvPr id="32" name="Rectangle 43">
+            <a:hlinkClick r:id="rId26"/>
+            <a:extLst>
+              <a:ext uri="{FF2B5EF4-FFF2-40B4-BE49-F238E27FC236}">
+                <a16:creationId xmlns:a16="http://schemas.microsoft.com/office/drawing/2014/main" id="{6D093702-2AF7-7647-86DF-BF1591EBD764}"/>
+              </a:ext>
+            </a:extLst>
+          </p:cNvPr>
+          <p:cNvSpPr>
+            <a:spLocks noChangeArrowheads="1"/>
+          </p:cNvSpPr>
+          <p:nvPr/>
+        </p:nvSpPr>
+        <p:spPr bwMode="auto">
+          <a:xfrm>
+            <a:off x="9616307" y="2816981"/>
+            <a:ext cx="2629585" cy="3046988"/>
+          </a:xfrm>
+          <a:prstGeom prst="rect">
+            <a:avLst/>
+          </a:prstGeom>
+          <a:noFill/>
+          <a:ln>
+            <a:noFill/>
+          </a:ln>
+          <a:effectLst/>
+          <a:extLst>
+            <a:ext uri="{909E8E84-426E-40DD-AFC4-6F175D3DCCD1}">
+              <a14:hiddenFill xmlns:a14="http://schemas.microsoft.com/office/drawing/2010/main">
+                <a:solidFill>
+                  <a:schemeClr val="accent1"/>
+                </a:solidFill>
+              </a14:hiddenFill>
+            </a:ext>
+            <a:ext uri="{91240B29-F687-4F45-9708-019B960494DF}">
+              <a14:hiddenLine xmlns:a14="http://schemas.microsoft.com/office/drawing/2010/main" w="9525">
+                <a:solidFill>
+                  <a:schemeClr val="tx1"/>
+                </a:solidFill>
+                <a:miter lim="800000"/>
+                <a:headEnd/>
+                <a:tailEnd/>
+              </a14:hiddenLine>
+            </a:ext>
+            <a:ext uri="{AF507438-7753-43E0-B8FC-AC1667EBCBE1}">
+              <a14:hiddenEffects xmlns:a14="http://schemas.microsoft.com/office/drawing/2010/main">
+                <a:effectLst>
+                  <a:outerShdw dist="35921" dir="2700000" algn="ctr" rotWithShape="0">
+                    <a:schemeClr val="bg2"/>
+                  </a:outerShdw>
+                </a:effectLst>
+              </a14:hiddenEffects>
+            </a:ext>
+          </a:extLst>
+        </p:spPr>
+        <p:txBody>
+          <a:bodyPr vert="horz" wrap="square" lIns="91440" tIns="45720" rIns="91440" bIns="45720" numCol="1" anchor="ctr" anchorCtr="0" compatLnSpc="1">
+            <a:prstTxWarp prst="textNoShape">
+              <a:avLst/>
+            </a:prstTxWarp>
+            <a:spAutoFit/>
+          </a:bodyPr>
+          <a:lstStyle/>
+          <a:p>
+            <a:pPr marL="0" marR="0" lvl="0" indent="0" defTabSz="914400" rtl="0" eaLnBrk="0" fontAlgn="base" latinLnBrk="0" hangingPunct="0">
+              <a:lnSpc>
+                <a:spcPct val="100000"/>
+              </a:lnSpc>
+              <a:spcBef>
+                <a:spcPct val="0"/>
+              </a:spcBef>
+              <a:spcAft>
+                <a:spcPct val="0"/>
+              </a:spcAft>
+              <a:buClrTx/>
+              <a:buSzTx/>
+              <a:buFontTx/>
+              <a:buNone/>
+              <a:tabLst/>
+            </a:pPr>
+            <a:r>
+              <a:rPr kumimoji="0" lang="pl-PL" altLang="pl-PL" sz="1000" b="1" i="0" u="sng" strike="noStrike" cap="none" normalizeH="0" baseline="0" dirty="0">
+                <a:ln>
+                  <a:noFill/>
+                </a:ln>
+                <a:solidFill>
+                  <a:srgbClr val="467886"/>
+                </a:solidFill>
+                <a:effectLst/>
+                <a:latin typeface="Aptos" panose="020B0004020202020204" pitchFamily="34" charset="0"/>
+                <a:ea typeface="Times New Roman" panose="02020603050405020304" pitchFamily="18" charset="0"/>
+                <a:cs typeface="Times New Roman" panose="02020603050405020304" pitchFamily="18" charset="0"/>
+                <a:hlinkClick r:id="rId26"/>
+              </a:rPr>
+              <a:t>Poważny człowiek</a:t>
+            </a:r>
+            <a:endParaRPr kumimoji="0" lang="pl-PL" altLang="pl-PL" sz="1000" b="1" i="0" u="sng" strike="noStrike" cap="none" normalizeH="0" baseline="0" dirty="0">
+              <a:ln>
+                <a:noFill/>
+              </a:ln>
+              <a:solidFill>
+                <a:srgbClr val="467886"/>
+              </a:solidFill>
+              <a:effectLst/>
+              <a:latin typeface="Aptos" panose="020B0004020202020204" pitchFamily="34" charset="0"/>
+              <a:ea typeface="Times New Roman" panose="02020603050405020304" pitchFamily="18" charset="0"/>
+              <a:cs typeface="Times New Roman" panose="02020603050405020304" pitchFamily="18" charset="0"/>
+            </a:endParaRPr>
+          </a:p>
+          <a:p>
+            <a:pPr marL="0" marR="0" lvl="0" indent="0" defTabSz="914400" rtl="0" eaLnBrk="0" fontAlgn="base" latinLnBrk="0" hangingPunct="0">
+              <a:lnSpc>
+                <a:spcPct val="100000"/>
+              </a:lnSpc>
+              <a:spcBef>
+                <a:spcPct val="0"/>
+              </a:spcBef>
+              <a:spcAft>
+                <a:spcPct val="0"/>
+              </a:spcAft>
+              <a:buClrTx/>
+              <a:buSzTx/>
+              <a:buFontTx/>
+              <a:buNone/>
+              <a:tabLst/>
+            </a:pPr>
+            <a:endParaRPr kumimoji="0" lang="pl-PL" altLang="pl-PL" sz="800" b="0" i="0" u="none" strike="noStrike" cap="none" normalizeH="0" baseline="0" dirty="0">
+              <a:ln>
+                <a:noFill/>
+              </a:ln>
+              <a:solidFill>
+                <a:schemeClr val="tx1"/>
+              </a:solidFill>
+              <a:effectLst/>
+            </a:endParaRPr>
+          </a:p>
+          <a:p>
+            <a:pPr marL="0" marR="0" lvl="0" indent="0" defTabSz="914400" rtl="0" eaLnBrk="0" fontAlgn="base" latinLnBrk="0" hangingPunct="0">
+              <a:lnSpc>
+                <a:spcPct val="100000"/>
+              </a:lnSpc>
+              <a:spcBef>
+                <a:spcPct val="0"/>
+              </a:spcBef>
+              <a:spcAft>
+                <a:spcPct val="0"/>
+              </a:spcAft>
+              <a:buClrTx/>
+              <a:buSzTx/>
+              <a:buFontTx/>
+              <a:buNone/>
+              <a:tabLst/>
+            </a:pPr>
+            <a:endParaRPr lang="pl-PL" altLang="pl-PL" sz="800" dirty="0"/>
+          </a:p>
+          <a:p>
+            <a:pPr marL="0" marR="0" lvl="0" indent="0" defTabSz="914400" rtl="0" eaLnBrk="0" fontAlgn="base" latinLnBrk="0" hangingPunct="0">
+              <a:lnSpc>
+                <a:spcPct val="100000"/>
+              </a:lnSpc>
+              <a:spcBef>
+                <a:spcPct val="0"/>
+              </a:spcBef>
+              <a:spcAft>
+                <a:spcPct val="0"/>
+              </a:spcAft>
+              <a:buClrTx/>
+              <a:buSzTx/>
+              <a:buFontTx/>
+              <a:buNone/>
+              <a:tabLst/>
+            </a:pPr>
+            <a:endParaRPr kumimoji="0" lang="pl-PL" altLang="pl-PL" sz="800" b="0" i="0" u="none" strike="noStrike" cap="none" normalizeH="0" baseline="0" dirty="0">
+              <a:ln>
+                <a:noFill/>
+              </a:ln>
+              <a:solidFill>
+                <a:schemeClr val="tx1"/>
+              </a:solidFill>
+              <a:effectLst/>
+            </a:endParaRPr>
+          </a:p>
+          <a:p>
+            <a:pPr marL="0" marR="0" lvl="0" indent="0" defTabSz="914400" rtl="0" eaLnBrk="0" fontAlgn="base" latinLnBrk="0" hangingPunct="0">
+              <a:lnSpc>
+                <a:spcPct val="100000"/>
+              </a:lnSpc>
+              <a:spcBef>
+                <a:spcPct val="0"/>
+              </a:spcBef>
+              <a:spcAft>
+                <a:spcPct val="0"/>
+              </a:spcAft>
+              <a:buClrTx/>
+              <a:buSzTx/>
+              <a:buFontTx/>
+              <a:buNone/>
+              <a:tabLst/>
+            </a:pPr>
+            <a:endParaRPr lang="pl-PL" altLang="pl-PL" sz="800" dirty="0"/>
+          </a:p>
+          <a:p>
+            <a:pPr marL="0" marR="0" lvl="0" indent="0" defTabSz="914400" rtl="0" eaLnBrk="0" fontAlgn="base" latinLnBrk="0" hangingPunct="0">
+              <a:lnSpc>
+                <a:spcPct val="100000"/>
+              </a:lnSpc>
+              <a:spcBef>
+                <a:spcPct val="0"/>
+              </a:spcBef>
+              <a:spcAft>
+                <a:spcPct val="0"/>
+              </a:spcAft>
+              <a:buClrTx/>
+              <a:buSzTx/>
+              <a:buFontTx/>
+              <a:buNone/>
+              <a:tabLst/>
+            </a:pPr>
+            <a:endParaRPr kumimoji="0" lang="pl-PL" altLang="pl-PL" sz="800" b="0" i="0" u="none" strike="noStrike" cap="none" normalizeH="0" baseline="0" dirty="0">
+              <a:ln>
+                <a:noFill/>
+              </a:ln>
+              <a:solidFill>
+                <a:schemeClr val="tx1"/>
+              </a:solidFill>
+              <a:effectLst/>
+            </a:endParaRPr>
+          </a:p>
+          <a:p>
+            <a:pPr marL="0" marR="0" lvl="0" indent="0" defTabSz="914400" rtl="0" eaLnBrk="0" fontAlgn="base" latinLnBrk="0" hangingPunct="0">
+              <a:lnSpc>
+                <a:spcPct val="100000"/>
+              </a:lnSpc>
+              <a:spcBef>
+                <a:spcPct val="0"/>
+              </a:spcBef>
+              <a:spcAft>
+                <a:spcPct val="0"/>
+              </a:spcAft>
+              <a:buClrTx/>
+              <a:buSzTx/>
+              <a:buFontTx/>
+              <a:buNone/>
+              <a:tabLst/>
+            </a:pPr>
+            <a:endParaRPr lang="pl-PL" altLang="pl-PL" sz="800" dirty="0"/>
+          </a:p>
+          <a:p>
+            <a:pPr marL="0" marR="0" lvl="0" indent="0" defTabSz="914400" rtl="0" eaLnBrk="0" fontAlgn="base" latinLnBrk="0" hangingPunct="0">
+              <a:lnSpc>
+                <a:spcPct val="100000"/>
+              </a:lnSpc>
+              <a:spcBef>
+                <a:spcPct val="0"/>
+              </a:spcBef>
+              <a:spcAft>
+                <a:spcPct val="0"/>
+              </a:spcAft>
+              <a:buClrTx/>
+              <a:buSzTx/>
+              <a:buFontTx/>
+              <a:buNone/>
+              <a:tabLst/>
+            </a:pPr>
+            <a:endParaRPr kumimoji="0" lang="pl-PL" altLang="pl-PL" sz="800" b="0" i="0" u="none" strike="noStrike" cap="none" normalizeH="0" baseline="0" dirty="0">
+              <a:ln>
+                <a:noFill/>
+              </a:ln>
+              <a:solidFill>
+                <a:schemeClr val="tx1"/>
+              </a:solidFill>
+              <a:effectLst/>
+            </a:endParaRPr>
+          </a:p>
+          <a:p>
+            <a:pPr marL="0" marR="0" lvl="0" indent="0" defTabSz="914400" rtl="0" eaLnBrk="0" fontAlgn="base" latinLnBrk="0" hangingPunct="0">
+              <a:lnSpc>
+                <a:spcPct val="100000"/>
+              </a:lnSpc>
+              <a:spcBef>
+                <a:spcPct val="0"/>
+              </a:spcBef>
+              <a:spcAft>
+                <a:spcPct val="0"/>
+              </a:spcAft>
+              <a:buClrTx/>
+              <a:buSzTx/>
+              <a:buFontTx/>
+              <a:buNone/>
+              <a:tabLst/>
+            </a:pPr>
+            <a:endParaRPr lang="pl-PL" altLang="pl-PL" sz="800" dirty="0"/>
+          </a:p>
+          <a:p>
+            <a:pPr marL="0" marR="0" lvl="0" indent="0" defTabSz="914400" rtl="0" eaLnBrk="0" fontAlgn="base" latinLnBrk="0" hangingPunct="0">
+              <a:lnSpc>
+                <a:spcPct val="100000"/>
+              </a:lnSpc>
+              <a:spcBef>
+                <a:spcPct val="0"/>
+              </a:spcBef>
+              <a:spcAft>
+                <a:spcPct val="0"/>
+              </a:spcAft>
+              <a:buClrTx/>
+              <a:buSzTx/>
+              <a:buFontTx/>
+              <a:buNone/>
+              <a:tabLst/>
+            </a:pPr>
+            <a:endParaRPr kumimoji="0" lang="pl-PL" altLang="pl-PL" sz="800" b="0" i="0" u="none" strike="noStrike" cap="none" normalizeH="0" baseline="0" dirty="0">
+              <a:ln>
+                <a:noFill/>
+              </a:ln>
+              <a:solidFill>
+                <a:schemeClr val="tx1"/>
+              </a:solidFill>
+              <a:effectLst/>
+            </a:endParaRPr>
+          </a:p>
+          <a:p>
+            <a:pPr marL="0" marR="0" lvl="0" indent="0" defTabSz="914400" rtl="0" eaLnBrk="0" fontAlgn="base" latinLnBrk="0" hangingPunct="0">
+              <a:lnSpc>
+                <a:spcPct val="100000"/>
+              </a:lnSpc>
+              <a:spcBef>
+                <a:spcPct val="0"/>
+              </a:spcBef>
+              <a:spcAft>
+                <a:spcPct val="0"/>
+              </a:spcAft>
+              <a:buClrTx/>
+              <a:buSzTx/>
+              <a:buFontTx/>
+              <a:buNone/>
+              <a:tabLst/>
+            </a:pPr>
+            <a:r>
+              <a:rPr kumimoji="0" lang="pl-PL" altLang="pl-PL" sz="1000" b="1" i="0" u="sng" strike="noStrike" cap="none" normalizeH="0" baseline="0" dirty="0">
+                <a:ln>
+                  <a:noFill/>
+                </a:ln>
+                <a:solidFill>
+                  <a:srgbClr val="467886"/>
+                </a:solidFill>
+                <a:effectLst/>
+                <a:latin typeface="Aptos" panose="020B0004020202020204" pitchFamily="34" charset="0"/>
+                <a:ea typeface="Times New Roman" panose="02020603050405020304" pitchFamily="18" charset="0"/>
+                <a:cs typeface="Times New Roman" panose="02020603050405020304" pitchFamily="18" charset="0"/>
+                <a:hlinkClick r:id="rId19"/>
+              </a:rPr>
+              <a:t>Bękarty wojny</a:t>
+            </a:r>
+            <a:endParaRPr kumimoji="0" lang="pl-PL" altLang="pl-PL" sz="800" b="0" i="0" u="none" strike="noStrike" cap="none" normalizeH="0" baseline="0" dirty="0">
+              <a:ln>
+                <a:noFill/>
+              </a:ln>
+              <a:solidFill>
+                <a:schemeClr val="tx1"/>
+              </a:solidFill>
+              <a:effectLst/>
+            </a:endParaRPr>
+          </a:p>
+          <a:p>
+            <a:pPr marL="0" marR="0" lvl="0" indent="0" defTabSz="914400" rtl="0" eaLnBrk="0" fontAlgn="base" latinLnBrk="0" hangingPunct="0">
+              <a:lnSpc>
+                <a:spcPct val="100000"/>
+              </a:lnSpc>
+              <a:spcBef>
+                <a:spcPct val="0"/>
+              </a:spcBef>
+              <a:spcAft>
+                <a:spcPct val="0"/>
+              </a:spcAft>
+              <a:buClrTx/>
+              <a:buSzTx/>
+              <a:buFontTx/>
+              <a:buNone/>
+              <a:tabLst/>
+            </a:pPr>
+            <a:endParaRPr kumimoji="0" lang="pl-PL" altLang="pl-PL" sz="1000" b="1" i="0" u="sng" strike="noStrike" cap="none" normalizeH="0" baseline="0" dirty="0">
+              <a:ln>
+                <a:noFill/>
+              </a:ln>
+              <a:solidFill>
+                <a:srgbClr val="467886"/>
+              </a:solidFill>
+              <a:effectLst/>
+              <a:latin typeface="Aptos" panose="020B0004020202020204" pitchFamily="34" charset="0"/>
+              <a:ea typeface="Times New Roman" panose="02020603050405020304" pitchFamily="18" charset="0"/>
+              <a:cs typeface="Times New Roman" panose="02020603050405020304" pitchFamily="18" charset="0"/>
+              <a:hlinkClick r:id="rId21"/>
+            </a:endParaRPr>
+          </a:p>
+          <a:p>
+            <a:pPr marL="0" marR="0" lvl="0" indent="0" defTabSz="914400" rtl="0" eaLnBrk="0" fontAlgn="base" latinLnBrk="0" hangingPunct="0">
+              <a:lnSpc>
+                <a:spcPct val="100000"/>
+              </a:lnSpc>
+              <a:spcBef>
+                <a:spcPct val="0"/>
+              </a:spcBef>
+              <a:spcAft>
+                <a:spcPct val="0"/>
+              </a:spcAft>
+              <a:buClrTx/>
+              <a:buSzTx/>
+              <a:buFontTx/>
+              <a:buNone/>
+              <a:tabLst/>
+            </a:pPr>
+            <a:endParaRPr lang="pl-PL" altLang="pl-PL" sz="1000" b="1" u="sng" dirty="0">
+              <a:solidFill>
+                <a:srgbClr val="467886"/>
+              </a:solidFill>
+              <a:latin typeface="Aptos" panose="020B0004020202020204" pitchFamily="34" charset="0"/>
+              <a:ea typeface="Times New Roman" panose="02020603050405020304" pitchFamily="18" charset="0"/>
+              <a:cs typeface="Times New Roman" panose="02020603050405020304" pitchFamily="18" charset="0"/>
+              <a:hlinkClick r:id="rId21"/>
+            </a:endParaRPr>
+          </a:p>
+          <a:p>
+            <a:pPr marL="0" marR="0" lvl="0" indent="0" defTabSz="914400" rtl="0" eaLnBrk="0" fontAlgn="base" latinLnBrk="0" hangingPunct="0">
+              <a:lnSpc>
+                <a:spcPct val="100000"/>
+              </a:lnSpc>
+              <a:spcBef>
+                <a:spcPct val="0"/>
+              </a:spcBef>
+              <a:spcAft>
+                <a:spcPct val="0"/>
+              </a:spcAft>
+              <a:buClrTx/>
+              <a:buSzTx/>
+              <a:buFontTx/>
+              <a:buNone/>
+              <a:tabLst/>
+            </a:pPr>
+            <a:endParaRPr lang="pl-PL" altLang="pl-PL" sz="1000" b="1" u="sng" dirty="0">
+              <a:solidFill>
+                <a:srgbClr val="467886"/>
+              </a:solidFill>
+              <a:latin typeface="Aptos" panose="020B0004020202020204" pitchFamily="34" charset="0"/>
+              <a:ea typeface="Times New Roman" panose="02020603050405020304" pitchFamily="18" charset="0"/>
+              <a:cs typeface="Times New Roman" panose="02020603050405020304" pitchFamily="18" charset="0"/>
+              <a:hlinkClick r:id="rId21"/>
+            </a:endParaRPr>
+          </a:p>
+          <a:p>
+            <a:pPr marL="0" marR="0" lvl="0" indent="0" defTabSz="914400" rtl="0" eaLnBrk="0" fontAlgn="base" latinLnBrk="0" hangingPunct="0">
+              <a:lnSpc>
+                <a:spcPct val="100000"/>
+              </a:lnSpc>
+              <a:spcBef>
+                <a:spcPct val="0"/>
+              </a:spcBef>
+              <a:spcAft>
+                <a:spcPct val="0"/>
+              </a:spcAft>
+              <a:buClrTx/>
+              <a:buSzTx/>
+              <a:buFontTx/>
+              <a:buNone/>
+              <a:tabLst/>
+            </a:pPr>
+            <a:endParaRPr lang="pl-PL" altLang="pl-PL" sz="1000" b="1" u="sng" dirty="0">
+              <a:solidFill>
+                <a:srgbClr val="467886"/>
+              </a:solidFill>
+              <a:latin typeface="Aptos" panose="020B0004020202020204" pitchFamily="34" charset="0"/>
+              <a:ea typeface="Times New Roman" panose="02020603050405020304" pitchFamily="18" charset="0"/>
+              <a:cs typeface="Times New Roman" panose="02020603050405020304" pitchFamily="18" charset="0"/>
+              <a:hlinkClick r:id="rId21"/>
+            </a:endParaRPr>
+          </a:p>
+          <a:p>
+            <a:pPr marL="0" marR="0" lvl="0" indent="0" defTabSz="914400" rtl="0" eaLnBrk="0" fontAlgn="base" latinLnBrk="0" hangingPunct="0">
+              <a:lnSpc>
+                <a:spcPct val="100000"/>
+              </a:lnSpc>
+              <a:spcBef>
+                <a:spcPct val="0"/>
+              </a:spcBef>
+              <a:spcAft>
+                <a:spcPct val="0"/>
+              </a:spcAft>
+              <a:buClrTx/>
+              <a:buSzTx/>
+              <a:buFontTx/>
+              <a:buNone/>
+              <a:tabLst/>
+            </a:pPr>
+            <a:endParaRPr lang="pl-PL" altLang="pl-PL" sz="1000" b="1" u="sng" dirty="0">
+              <a:solidFill>
+                <a:srgbClr val="467886"/>
+              </a:solidFill>
+              <a:latin typeface="Aptos" panose="020B0004020202020204" pitchFamily="34" charset="0"/>
+              <a:ea typeface="Times New Roman" panose="02020603050405020304" pitchFamily="18" charset="0"/>
+              <a:cs typeface="Times New Roman" panose="02020603050405020304" pitchFamily="18" charset="0"/>
+              <a:hlinkClick r:id="rId21"/>
+            </a:endParaRPr>
+          </a:p>
+          <a:p>
+            <a:pPr marL="0" marR="0" lvl="0" indent="0" defTabSz="914400" rtl="0" eaLnBrk="0" fontAlgn="base" latinLnBrk="0" hangingPunct="0">
+              <a:lnSpc>
+                <a:spcPct val="100000"/>
+              </a:lnSpc>
+              <a:spcBef>
+                <a:spcPct val="0"/>
+              </a:spcBef>
+              <a:spcAft>
+                <a:spcPct val="0"/>
+              </a:spcAft>
+              <a:buClrTx/>
+              <a:buSzTx/>
+              <a:buFontTx/>
+              <a:buNone/>
+              <a:tabLst/>
+            </a:pPr>
+            <a:endParaRPr lang="pl-PL" altLang="pl-PL" sz="1000" b="1" u="sng" dirty="0">
+              <a:solidFill>
+                <a:srgbClr val="467886"/>
+              </a:solidFill>
+              <a:latin typeface="Aptos" panose="020B0004020202020204" pitchFamily="34" charset="0"/>
+              <a:ea typeface="Times New Roman" panose="02020603050405020304" pitchFamily="18" charset="0"/>
+              <a:cs typeface="Times New Roman" panose="02020603050405020304" pitchFamily="18" charset="0"/>
+              <a:hlinkClick r:id="rId21"/>
+            </a:endParaRPr>
+          </a:p>
+          <a:p>
+            <a:pPr marL="0" marR="0" lvl="0" indent="0" defTabSz="914400" rtl="0" eaLnBrk="0" fontAlgn="base" latinLnBrk="0" hangingPunct="0">
+              <a:lnSpc>
+                <a:spcPct val="100000"/>
+              </a:lnSpc>
+              <a:spcBef>
+                <a:spcPct val="0"/>
+              </a:spcBef>
+              <a:spcAft>
+                <a:spcPct val="0"/>
+              </a:spcAft>
+              <a:buClrTx/>
+              <a:buSzTx/>
+              <a:buFontTx/>
+              <a:buNone/>
+              <a:tabLst/>
+            </a:pPr>
+            <a:endParaRPr lang="pl-PL" altLang="pl-PL" sz="1000" b="1" u="sng" dirty="0">
+              <a:solidFill>
+                <a:srgbClr val="467886"/>
+              </a:solidFill>
+              <a:latin typeface="Aptos" panose="020B0004020202020204" pitchFamily="34" charset="0"/>
+              <a:ea typeface="Times New Roman" panose="02020603050405020304" pitchFamily="18" charset="0"/>
+              <a:cs typeface="Times New Roman" panose="02020603050405020304" pitchFamily="18" charset="0"/>
+              <a:hlinkClick r:id="rId21"/>
+            </a:endParaRPr>
+          </a:p>
+          <a:p>
+            <a:pPr marL="0" marR="0" lvl="0" indent="0" defTabSz="914400" rtl="0" eaLnBrk="0" fontAlgn="base" latinLnBrk="0" hangingPunct="0">
+              <a:lnSpc>
+                <a:spcPct val="100000"/>
+              </a:lnSpc>
+              <a:spcBef>
+                <a:spcPct val="0"/>
+              </a:spcBef>
+              <a:spcAft>
+                <a:spcPct val="0"/>
+              </a:spcAft>
+              <a:buClrTx/>
+              <a:buSzTx/>
+              <a:buFontTx/>
+              <a:buNone/>
+              <a:tabLst/>
+            </a:pPr>
+            <a:endParaRPr lang="pl-PL" altLang="pl-PL" sz="1000" b="1" u="sng" dirty="0">
+              <a:solidFill>
+                <a:srgbClr val="467886"/>
+              </a:solidFill>
+              <a:latin typeface="Aptos" panose="020B0004020202020204" pitchFamily="34" charset="0"/>
+              <a:ea typeface="Times New Roman" panose="02020603050405020304" pitchFamily="18" charset="0"/>
+              <a:cs typeface="Times New Roman" panose="02020603050405020304" pitchFamily="18" charset="0"/>
+              <a:hlinkClick r:id="rId21"/>
+            </a:endParaRPr>
+          </a:p>
+          <a:p>
+            <a:pPr marL="0" marR="0" lvl="0" indent="0" defTabSz="914400" rtl="0" eaLnBrk="0" fontAlgn="base" latinLnBrk="0" hangingPunct="0">
+              <a:lnSpc>
+                <a:spcPct val="100000"/>
+              </a:lnSpc>
+              <a:spcBef>
+                <a:spcPct val="0"/>
+              </a:spcBef>
+              <a:spcAft>
+                <a:spcPct val="0"/>
+              </a:spcAft>
+              <a:buClrTx/>
+              <a:buSzTx/>
+              <a:buFontTx/>
+              <a:buNone/>
+              <a:tabLst/>
+            </a:pPr>
+            <a:endParaRPr kumimoji="0" lang="pl-PL" altLang="pl-PL" sz="1000" b="1" i="0" u="sng" strike="noStrike" cap="none" normalizeH="0" baseline="0" dirty="0">
+              <a:ln>
+                <a:noFill/>
+              </a:ln>
+              <a:solidFill>
+                <a:srgbClr val="467886"/>
+              </a:solidFill>
+              <a:effectLst/>
+              <a:latin typeface="Aptos" panose="020B0004020202020204" pitchFamily="34" charset="0"/>
+              <a:ea typeface="Times New Roman" panose="02020603050405020304" pitchFamily="18" charset="0"/>
+              <a:cs typeface="Times New Roman" panose="02020603050405020304" pitchFamily="18" charset="0"/>
+              <a:hlinkClick r:id="rId21"/>
+            </a:endParaRPr>
+          </a:p>
+          <a:p>
+            <a:pPr marL="0" marR="0" lvl="0" indent="0" defTabSz="914400" rtl="0" eaLnBrk="0" fontAlgn="base" latinLnBrk="0" hangingPunct="0">
+              <a:lnSpc>
+                <a:spcPct val="100000"/>
+              </a:lnSpc>
+              <a:spcBef>
+                <a:spcPct val="0"/>
+              </a:spcBef>
+              <a:spcAft>
+                <a:spcPct val="0"/>
+              </a:spcAft>
+              <a:buClrTx/>
+              <a:buSzTx/>
+              <a:buFontTx/>
+              <a:buNone/>
+              <a:tabLst/>
+            </a:pPr>
+            <a:r>
+              <a:rPr kumimoji="0" lang="pl-PL" altLang="pl-PL" sz="1000" b="1" i="0" u="sng" strike="noStrike" cap="none" normalizeH="0" baseline="0" dirty="0">
+                <a:ln>
+                  <a:noFill/>
+                </a:ln>
+                <a:solidFill>
+                  <a:srgbClr val="467886"/>
+                </a:solidFill>
+                <a:effectLst/>
+                <a:latin typeface="Aptos" panose="020B0004020202020204" pitchFamily="34" charset="0"/>
+                <a:ea typeface="Times New Roman" panose="02020603050405020304" pitchFamily="18" charset="0"/>
+                <a:cs typeface="Times New Roman" panose="02020603050405020304" pitchFamily="18" charset="0"/>
+                <a:hlinkClick r:id="rId21"/>
+              </a:rPr>
+              <a:t>Avatar</a:t>
+            </a:r>
+            <a:endParaRPr kumimoji="0" lang="pl-PL" altLang="pl-PL" sz="1800" b="0" i="0" u="none" strike="noStrike" cap="none" normalizeH="0" baseline="0" dirty="0">
+              <a:ln>
+                <a:noFill/>
+              </a:ln>
+              <a:solidFill>
+                <a:schemeClr val="tx1"/>
+              </a:solidFill>
+              <a:effectLst/>
+              <a:latin typeface="Arial" panose="020B0604020202020204" pitchFamily="34" charset="0"/>
+            </a:endParaRPr>
+          </a:p>
+        </p:txBody>
+      </p:sp>
+      <p:pic>
+        <p:nvPicPr>
+          <p:cNvPr id="36" name="Obraz 35" descr="Obraz zawierający tekst, ubrania, uśmiech, plakat&#10;&#10;Zawartość wygenerowana przez sztuczną inteligencję może być niepoprawna.">
+            <a:extLst>
+              <a:ext uri="{FF2B5EF4-FFF2-40B4-BE49-F238E27FC236}">
+                <a16:creationId xmlns:a16="http://schemas.microsoft.com/office/drawing/2014/main" id="{6D03C70E-761D-807A-AC75-069C8E3E063B}"/>
+              </a:ext>
+            </a:extLst>
+          </p:cNvPr>
+          <p:cNvPicPr>
+            <a:picLocks noChangeAspect="1"/>
+          </p:cNvPicPr>
+          <p:nvPr/>
+        </p:nvPicPr>
+        <p:blipFill>
+          <a:blip r:embed="rId27">
+            <a:extLst>
+              <a:ext uri="{28A0092B-C50C-407E-A947-70E740481C1C}">
+                <a14:useLocalDpi xmlns:a14="http://schemas.microsoft.com/office/drawing/2010/main" val="0"/>
+              </a:ext>
+            </a:extLst>
+          </a:blip>
+          <a:stretch>
+            <a:fillRect/>
+          </a:stretch>
+        </p:blipFill>
+        <p:spPr>
+          <a:xfrm>
+            <a:off x="8794679" y="1132353"/>
+            <a:ext cx="731267" cy="1144592"/>
+          </a:xfrm>
+          <a:prstGeom prst="rect">
+            <a:avLst/>
+          </a:prstGeom>
+        </p:spPr>
+      </p:pic>
+      <p:pic>
+        <p:nvPicPr>
+          <p:cNvPr id="38" name="Obraz 37" descr="Obraz zawierający tekst, niebo, plakat, na wolnym powietrzu&#10;&#10;Zawartość wygenerowana przez sztuczną inteligencję może być niepoprawna.">
+            <a:extLst>
+              <a:ext uri="{FF2B5EF4-FFF2-40B4-BE49-F238E27FC236}">
+                <a16:creationId xmlns:a16="http://schemas.microsoft.com/office/drawing/2014/main" id="{203C1D99-2094-B80D-733C-660CCE8C5C79}"/>
+              </a:ext>
+            </a:extLst>
+          </p:cNvPr>
+          <p:cNvPicPr>
+            <a:picLocks noChangeAspect="1"/>
+          </p:cNvPicPr>
+          <p:nvPr/>
+        </p:nvPicPr>
+        <p:blipFill>
+          <a:blip r:embed="rId28">
+            <a:extLst>
+              <a:ext uri="{28A0092B-C50C-407E-A947-70E740481C1C}">
+                <a14:useLocalDpi xmlns:a14="http://schemas.microsoft.com/office/drawing/2010/main" val="0"/>
+              </a:ext>
+            </a:extLst>
+          </a:blip>
+          <a:stretch>
+            <a:fillRect/>
+          </a:stretch>
+        </p:blipFill>
+        <p:spPr>
+          <a:xfrm>
+            <a:off x="8794679" y="2349957"/>
+            <a:ext cx="731267" cy="1144592"/>
+          </a:xfrm>
+          <a:prstGeom prst="rect">
+            <a:avLst/>
+          </a:prstGeom>
+        </p:spPr>
+      </p:pic>
+      <p:pic>
+        <p:nvPicPr>
+          <p:cNvPr id="41" name="Obraz 40" descr="Obraz zawierający tekst, plakat, Film akcji, fikcja&#10;&#10;Zawartość wygenerowana przez sztuczną inteligencję może być niepoprawna.">
+            <a:extLst>
+              <a:ext uri="{FF2B5EF4-FFF2-40B4-BE49-F238E27FC236}">
+                <a16:creationId xmlns:a16="http://schemas.microsoft.com/office/drawing/2014/main" id="{35E7A927-2FA0-25ED-4E40-4720A043AD5B}"/>
+              </a:ext>
+            </a:extLst>
+          </p:cNvPr>
+          <p:cNvPicPr>
+            <a:picLocks noChangeAspect="1"/>
+          </p:cNvPicPr>
+          <p:nvPr/>
+        </p:nvPicPr>
+        <p:blipFill>
+          <a:blip r:embed="rId29">
+            <a:extLst>
+              <a:ext uri="{28A0092B-C50C-407E-A947-70E740481C1C}">
+                <a14:useLocalDpi xmlns:a14="http://schemas.microsoft.com/office/drawing/2010/main" val="0"/>
+              </a:ext>
+            </a:extLst>
+          </a:blip>
+          <a:stretch>
+            <a:fillRect/>
+          </a:stretch>
+        </p:blipFill>
+        <p:spPr>
+          <a:xfrm>
+            <a:off x="8680600" y="3636425"/>
+            <a:ext cx="982091" cy="1307047"/>
+          </a:xfrm>
+          <a:prstGeom prst="rect">
+            <a:avLst/>
+          </a:prstGeom>
+        </p:spPr>
+      </p:pic>
+      <p:pic>
+        <p:nvPicPr>
+          <p:cNvPr id="43" name="Obraz 42" descr="Obraz zawierający tekst, plakat, projekt graficzny, książka&#10;&#10;Zawartość wygenerowana przez sztuczną inteligencję może być niepoprawna.">
+            <a:extLst>
+              <a:ext uri="{FF2B5EF4-FFF2-40B4-BE49-F238E27FC236}">
+                <a16:creationId xmlns:a16="http://schemas.microsoft.com/office/drawing/2014/main" id="{CE5C5DED-91FB-13E3-7638-5BBF88AB3C7D}"/>
+              </a:ext>
+            </a:extLst>
+          </p:cNvPr>
+          <p:cNvPicPr>
+            <a:picLocks noChangeAspect="1"/>
+          </p:cNvPicPr>
+          <p:nvPr/>
+        </p:nvPicPr>
+        <p:blipFill>
+          <a:blip r:embed="rId30">
+            <a:extLst>
+              <a:ext uri="{28A0092B-C50C-407E-A947-70E740481C1C}">
+                <a14:useLocalDpi xmlns:a14="http://schemas.microsoft.com/office/drawing/2010/main" val="0"/>
+              </a:ext>
+            </a:extLst>
+          </a:blip>
+          <a:stretch>
+            <a:fillRect/>
+          </a:stretch>
+        </p:blipFill>
+        <p:spPr>
+          <a:xfrm>
+            <a:off x="8746302" y="4931243"/>
+            <a:ext cx="779644" cy="1220312"/>
+          </a:xfrm>
+          <a:prstGeom prst="rect">
+            <a:avLst/>
+          </a:prstGeom>
+        </p:spPr>
+      </p:pic>
+    </p:spTree>
+    <p:extLst>
+      <p:ext uri="{BB962C8B-B14F-4D97-AF65-F5344CB8AC3E}">
+        <p14:creationId xmlns:p14="http://schemas.microsoft.com/office/powerpoint/2010/main" val="3793705931"/>
+      </p:ext>
+    </p:extLst>
+  </p:cSld>
+  <p:clrMapOvr>
+    <a:masterClrMapping/>
+  </p:clrMapOvr>
 </p:sld>
 </file>
 
